--- a/03-Conditions.pptx
+++ b/03-Conditions.pptx
@@ -323,7 +323,7 @@
           <a:p>
             <a:fld id="{3EA744D9-3FBE-48D8-BF2A-85DF203E4D20}" type="datetimeFigureOut">
               <a:rPr lang="bg-BG" smtClean="0"/>
-              <a:t>24.11.2015 г.</a:t>
+              <a:t>28.11.2015 г.</a:t>
             </a:fld>
             <a:endParaRPr lang="bg-BG"/>
           </a:p>
@@ -493,7 +493,7 @@
           <a:p>
             <a:fld id="{3EA744D9-3FBE-48D8-BF2A-85DF203E4D20}" type="datetimeFigureOut">
               <a:rPr lang="bg-BG" smtClean="0"/>
-              <a:t>24.11.2015 г.</a:t>
+              <a:t>28.11.2015 г.</a:t>
             </a:fld>
             <a:endParaRPr lang="bg-BG"/>
           </a:p>
@@ -673,7 +673,7 @@
           <a:p>
             <a:fld id="{3EA744D9-3FBE-48D8-BF2A-85DF203E4D20}" type="datetimeFigureOut">
               <a:rPr lang="bg-BG" smtClean="0"/>
-              <a:t>24.11.2015 г.</a:t>
+              <a:t>28.11.2015 г.</a:t>
             </a:fld>
             <a:endParaRPr lang="bg-BG"/>
           </a:p>
@@ -843,7 +843,7 @@
           <a:p>
             <a:fld id="{3EA744D9-3FBE-48D8-BF2A-85DF203E4D20}" type="datetimeFigureOut">
               <a:rPr lang="bg-BG" smtClean="0"/>
-              <a:t>24.11.2015 г.</a:t>
+              <a:t>28.11.2015 г.</a:t>
             </a:fld>
             <a:endParaRPr lang="bg-BG"/>
           </a:p>
@@ -1089,7 +1089,7 @@
           <a:p>
             <a:fld id="{3EA744D9-3FBE-48D8-BF2A-85DF203E4D20}" type="datetimeFigureOut">
               <a:rPr lang="bg-BG" smtClean="0"/>
-              <a:t>24.11.2015 г.</a:t>
+              <a:t>28.11.2015 г.</a:t>
             </a:fld>
             <a:endParaRPr lang="bg-BG"/>
           </a:p>
@@ -1377,7 +1377,7 @@
           <a:p>
             <a:fld id="{3EA744D9-3FBE-48D8-BF2A-85DF203E4D20}" type="datetimeFigureOut">
               <a:rPr lang="bg-BG" smtClean="0"/>
-              <a:t>24.11.2015 г.</a:t>
+              <a:t>28.11.2015 г.</a:t>
             </a:fld>
             <a:endParaRPr lang="bg-BG"/>
           </a:p>
@@ -1799,7 +1799,7 @@
           <a:p>
             <a:fld id="{3EA744D9-3FBE-48D8-BF2A-85DF203E4D20}" type="datetimeFigureOut">
               <a:rPr lang="bg-BG" smtClean="0"/>
-              <a:t>24.11.2015 г.</a:t>
+              <a:t>28.11.2015 г.</a:t>
             </a:fld>
             <a:endParaRPr lang="bg-BG"/>
           </a:p>
@@ -1917,7 +1917,7 @@
           <a:p>
             <a:fld id="{3EA744D9-3FBE-48D8-BF2A-85DF203E4D20}" type="datetimeFigureOut">
               <a:rPr lang="bg-BG" smtClean="0"/>
-              <a:t>24.11.2015 г.</a:t>
+              <a:t>28.11.2015 г.</a:t>
             </a:fld>
             <a:endParaRPr lang="bg-BG"/>
           </a:p>
@@ -2012,7 +2012,7 @@
           <a:p>
             <a:fld id="{3EA744D9-3FBE-48D8-BF2A-85DF203E4D20}" type="datetimeFigureOut">
               <a:rPr lang="bg-BG" smtClean="0"/>
-              <a:t>24.11.2015 г.</a:t>
+              <a:t>28.11.2015 г.</a:t>
             </a:fld>
             <a:endParaRPr lang="bg-BG"/>
           </a:p>
@@ -2289,7 +2289,7 @@
           <a:p>
             <a:fld id="{3EA744D9-3FBE-48D8-BF2A-85DF203E4D20}" type="datetimeFigureOut">
               <a:rPr lang="bg-BG" smtClean="0"/>
-              <a:t>24.11.2015 г.</a:t>
+              <a:t>28.11.2015 г.</a:t>
             </a:fld>
             <a:endParaRPr lang="bg-BG"/>
           </a:p>
@@ -2542,7 +2542,7 @@
           <a:p>
             <a:fld id="{3EA744D9-3FBE-48D8-BF2A-85DF203E4D20}" type="datetimeFigureOut">
               <a:rPr lang="bg-BG" smtClean="0"/>
-              <a:t>24.11.2015 г.</a:t>
+              <a:t>28.11.2015 г.</a:t>
             </a:fld>
             <a:endParaRPr lang="bg-BG"/>
           </a:p>
@@ -2764,7 +2764,7 @@
           <a:p>
             <a:fld id="{3EA744D9-3FBE-48D8-BF2A-85DF203E4D20}" type="datetimeFigureOut">
               <a:rPr lang="bg-BG" smtClean="0"/>
-              <a:t>24.11.2015 г.</a:t>
+              <a:t>28.11.2015 г.</a:t>
             </a:fld>
             <a:endParaRPr lang="bg-BG"/>
           </a:p>
@@ -5959,13 +5959,13 @@
         </p:spPr>
         <p:txBody>
           <a:bodyPr>
-            <a:normAutofit fontScale="92500" lnSpcReduction="10000"/>
+            <a:normAutofit fontScale="92500" lnSpcReduction="20000"/>
           </a:bodyPr>
           <a:lstStyle/>
           <a:p>
-            <a:pPr>
-              <a:buFont typeface="Wingdings" panose="05000000000000000000" pitchFamily="2" charset="2"/>
-              <a:buChar char="§"/>
+            <a:pPr marL="457200" indent="-457200">
+              <a:buFont typeface="+mj-lt"/>
+              <a:buAutoNum type="arabicParenR"/>
             </a:pPr>
             <a:r>
               <a:rPr lang="ru-RU" sz="2000" dirty="0">
@@ -6129,9 +6129,9 @@
             </a:r>
           </a:p>
           <a:p>
-            <a:pPr>
-              <a:buFont typeface="Wingdings" panose="05000000000000000000" pitchFamily="2" charset="2"/>
-              <a:buChar char="§"/>
+            <a:pPr marL="457200" indent="-457200">
+              <a:buFont typeface="+mj-lt"/>
+              <a:buAutoNum type="arabicParenR"/>
             </a:pPr>
             <a:r>
               <a:rPr lang="ru-RU" sz="2000" dirty="0">
@@ -6272,9 +6272,9 @@
             </a:endParaRPr>
           </a:p>
           <a:p>
-            <a:pPr>
-              <a:buFont typeface="Wingdings" panose="05000000000000000000" pitchFamily="2" charset="2"/>
-              <a:buChar char="§"/>
+            <a:pPr marL="457200" indent="-457200">
+              <a:buFont typeface="+mj-lt"/>
+              <a:buAutoNum type="arabicParenR"/>
             </a:pPr>
             <a:r>
               <a:rPr lang="ru-RU" sz="2000" dirty="0">
@@ -6405,9 +6405,9 @@
             </a:endParaRPr>
           </a:p>
           <a:p>
-            <a:pPr>
-              <a:buFont typeface="Wingdings" panose="05000000000000000000" pitchFamily="2" charset="2"/>
-              <a:buChar char="§"/>
+            <a:pPr marL="457200" indent="-457200">
+              <a:buFont typeface="+mj-lt"/>
+              <a:buAutoNum type="arabicParenR"/>
             </a:pPr>
             <a:r>
               <a:rPr lang="ru-RU" sz="2000" dirty="0">
@@ -6528,9 +6528,9 @@
             </a:endParaRPr>
           </a:p>
           <a:p>
-            <a:pPr>
-              <a:buFont typeface="Wingdings" panose="05000000000000000000" pitchFamily="2" charset="2"/>
-              <a:buChar char="§"/>
+            <a:pPr marL="457200" indent="-457200">
+              <a:buFont typeface="+mj-lt"/>
+              <a:buAutoNum type="arabicParenR"/>
             </a:pPr>
             <a:r>
               <a:rPr lang="ru-RU" sz="2000" dirty="0">
@@ -6804,9 +6804,9 @@
             </a:r>
           </a:p>
           <a:p>
-            <a:pPr>
-              <a:buFont typeface="Wingdings" panose="05000000000000000000" pitchFamily="2" charset="2"/>
-              <a:buChar char="§"/>
+            <a:pPr marL="457200" indent="-457200">
+              <a:buFont typeface="+mj-lt"/>
+              <a:buAutoNum type="arabicParenR"/>
             </a:pPr>
             <a:r>
               <a:rPr lang="ru-RU" sz="2000" dirty="0">
@@ -7971,9 +7971,9 @@
           </a:bodyPr>
           <a:lstStyle/>
           <a:p>
-            <a:pPr>
-              <a:buFont typeface="Wingdings" panose="05000000000000000000" pitchFamily="2" charset="2"/>
-              <a:buChar char="§"/>
+            <a:pPr marL="457200" indent="-457200">
+              <a:buFont typeface="+mj-lt"/>
+              <a:buAutoNum type="arabicParenR" startAt="7"/>
             </a:pPr>
             <a:r>
               <a:rPr lang="ru-RU" sz="2000" dirty="0" err="1">
@@ -8377,9 +8377,9 @@
             </a:r>
           </a:p>
           <a:p>
-            <a:pPr>
-              <a:buFont typeface="Wingdings" panose="05000000000000000000" pitchFamily="2" charset="2"/>
-              <a:buChar char="§"/>
+            <a:pPr marL="457200" indent="-457200">
+              <a:buFont typeface="+mj-lt"/>
+              <a:buAutoNum type="arabicParenR" startAt="7"/>
             </a:pPr>
             <a:r>
               <a:rPr lang="ru-RU" sz="2000" dirty="0">
@@ -8573,9 +8573,9 @@
             </a:r>
           </a:p>
           <a:p>
-            <a:pPr>
-              <a:buFont typeface="Wingdings" panose="05000000000000000000" pitchFamily="2" charset="2"/>
-              <a:buChar char="§"/>
+            <a:pPr marL="457200" indent="-457200">
+              <a:buFont typeface="+mj-lt"/>
+              <a:buAutoNum type="arabicParenR" startAt="7"/>
             </a:pPr>
             <a:r>
               <a:rPr lang="ru-RU" sz="2000" dirty="0">
@@ -8689,9 +8689,9 @@
             </a:r>
           </a:p>
           <a:p>
-            <a:pPr>
-              <a:buFont typeface="Wingdings" panose="05000000000000000000" pitchFamily="2" charset="2"/>
-              <a:buChar char="§"/>
+            <a:pPr marL="457200" indent="-457200">
+              <a:buFont typeface="+mj-lt"/>
+              <a:buAutoNum type="arabicParenR" startAt="7"/>
             </a:pPr>
             <a:r>
               <a:rPr lang="ru-RU" sz="2000" dirty="0">

--- a/03-Conditions.pptx
+++ b/03-Conditions.pptx
@@ -323,7 +323,7 @@
           <a:p>
             <a:fld id="{3EA744D9-3FBE-48D8-BF2A-85DF203E4D20}" type="datetimeFigureOut">
               <a:rPr lang="bg-BG" smtClean="0"/>
-              <a:t>28.11.2015 г.</a:t>
+              <a:t>29.11.2015 г.</a:t>
             </a:fld>
             <a:endParaRPr lang="bg-BG"/>
           </a:p>
@@ -493,7 +493,7 @@
           <a:p>
             <a:fld id="{3EA744D9-3FBE-48D8-BF2A-85DF203E4D20}" type="datetimeFigureOut">
               <a:rPr lang="bg-BG" smtClean="0"/>
-              <a:t>28.11.2015 г.</a:t>
+              <a:t>29.11.2015 г.</a:t>
             </a:fld>
             <a:endParaRPr lang="bg-BG"/>
           </a:p>
@@ -673,7 +673,7 @@
           <a:p>
             <a:fld id="{3EA744D9-3FBE-48D8-BF2A-85DF203E4D20}" type="datetimeFigureOut">
               <a:rPr lang="bg-BG" smtClean="0"/>
-              <a:t>28.11.2015 г.</a:t>
+              <a:t>29.11.2015 г.</a:t>
             </a:fld>
             <a:endParaRPr lang="bg-BG"/>
           </a:p>
@@ -843,7 +843,7 @@
           <a:p>
             <a:fld id="{3EA744D9-3FBE-48D8-BF2A-85DF203E4D20}" type="datetimeFigureOut">
               <a:rPr lang="bg-BG" smtClean="0"/>
-              <a:t>28.11.2015 г.</a:t>
+              <a:t>29.11.2015 г.</a:t>
             </a:fld>
             <a:endParaRPr lang="bg-BG"/>
           </a:p>
@@ -1089,7 +1089,7 @@
           <a:p>
             <a:fld id="{3EA744D9-3FBE-48D8-BF2A-85DF203E4D20}" type="datetimeFigureOut">
               <a:rPr lang="bg-BG" smtClean="0"/>
-              <a:t>28.11.2015 г.</a:t>
+              <a:t>29.11.2015 г.</a:t>
             </a:fld>
             <a:endParaRPr lang="bg-BG"/>
           </a:p>
@@ -1377,7 +1377,7 @@
           <a:p>
             <a:fld id="{3EA744D9-3FBE-48D8-BF2A-85DF203E4D20}" type="datetimeFigureOut">
               <a:rPr lang="bg-BG" smtClean="0"/>
-              <a:t>28.11.2015 г.</a:t>
+              <a:t>29.11.2015 г.</a:t>
             </a:fld>
             <a:endParaRPr lang="bg-BG"/>
           </a:p>
@@ -1799,7 +1799,7 @@
           <a:p>
             <a:fld id="{3EA744D9-3FBE-48D8-BF2A-85DF203E4D20}" type="datetimeFigureOut">
               <a:rPr lang="bg-BG" smtClean="0"/>
-              <a:t>28.11.2015 г.</a:t>
+              <a:t>29.11.2015 г.</a:t>
             </a:fld>
             <a:endParaRPr lang="bg-BG"/>
           </a:p>
@@ -1917,7 +1917,7 @@
           <a:p>
             <a:fld id="{3EA744D9-3FBE-48D8-BF2A-85DF203E4D20}" type="datetimeFigureOut">
               <a:rPr lang="bg-BG" smtClean="0"/>
-              <a:t>28.11.2015 г.</a:t>
+              <a:t>29.11.2015 г.</a:t>
             </a:fld>
             <a:endParaRPr lang="bg-BG"/>
           </a:p>
@@ -2012,7 +2012,7 @@
           <a:p>
             <a:fld id="{3EA744D9-3FBE-48D8-BF2A-85DF203E4D20}" type="datetimeFigureOut">
               <a:rPr lang="bg-BG" smtClean="0"/>
-              <a:t>28.11.2015 г.</a:t>
+              <a:t>29.11.2015 г.</a:t>
             </a:fld>
             <a:endParaRPr lang="bg-BG"/>
           </a:p>
@@ -2289,7 +2289,7 @@
           <a:p>
             <a:fld id="{3EA744D9-3FBE-48D8-BF2A-85DF203E4D20}" type="datetimeFigureOut">
               <a:rPr lang="bg-BG" smtClean="0"/>
-              <a:t>28.11.2015 г.</a:t>
+              <a:t>29.11.2015 г.</a:t>
             </a:fld>
             <a:endParaRPr lang="bg-BG"/>
           </a:p>
@@ -2542,7 +2542,7 @@
           <a:p>
             <a:fld id="{3EA744D9-3FBE-48D8-BF2A-85DF203E4D20}" type="datetimeFigureOut">
               <a:rPr lang="bg-BG" smtClean="0"/>
-              <a:t>28.11.2015 г.</a:t>
+              <a:t>29.11.2015 г.</a:t>
             </a:fld>
             <a:endParaRPr lang="bg-BG"/>
           </a:p>
@@ -2764,7 +2764,7 @@
           <a:p>
             <a:fld id="{3EA744D9-3FBE-48D8-BF2A-85DF203E4D20}" type="datetimeFigureOut">
               <a:rPr lang="bg-BG" smtClean="0"/>
-              <a:t>28.11.2015 г.</a:t>
+              <a:t>29.11.2015 г.</a:t>
             </a:fld>
             <a:endParaRPr lang="bg-BG"/>
           </a:p>
@@ -5959,15 +5959,44 @@
         </p:spPr>
         <p:txBody>
           <a:bodyPr>
-            <a:normAutofit fontScale="92500" lnSpcReduction="20000"/>
+            <a:normAutofit fontScale="92500" lnSpcReduction="10000"/>
           </a:bodyPr>
           <a:lstStyle/>
           <a:p>
-            <a:pPr marL="457200" indent="-457200">
-              <a:buFont typeface="+mj-lt"/>
-              <a:buAutoNum type="arabicParenR"/>
+            <a:pPr marL="0" indent="0">
+              <a:buNone/>
             </a:pPr>
             <a:r>
+              <a:rPr lang="en-US" sz="2000" dirty="0" smtClean="0">
+                <a:solidFill>
+                  <a:schemeClr val="bg1">
+                    <a:lumMod val="95000"/>
+                  </a:schemeClr>
+                </a:solidFill>
+              </a:rPr>
+              <a:t>3.1.1) </a:t>
+            </a:r>
+            <a:r>
+              <a:rPr lang="ru-RU" sz="2000" dirty="0" smtClean="0">
+                <a:solidFill>
+                  <a:schemeClr val="bg1">
+                    <a:lumMod val="95000"/>
+                  </a:schemeClr>
+                </a:solidFill>
+              </a:rPr>
+              <a:t>Напишете </a:t>
+            </a:r>
+            <a:r>
+              <a:rPr lang="ru-RU" sz="2000" dirty="0" err="1">
+                <a:solidFill>
+                  <a:schemeClr val="bg1">
+                    <a:lumMod val="95000"/>
+                  </a:schemeClr>
+                </a:solidFill>
+              </a:rPr>
+              <a:t>програма</a:t>
+            </a:r>
+            <a:r>
               <a:rPr lang="ru-RU" sz="2000" dirty="0">
                 <a:solidFill>
                   <a:schemeClr val="bg1">
@@ -5975,7 +6004,7 @@
                   </a:schemeClr>
                 </a:solidFill>
               </a:rPr>
-              <a:t>Напишете </a:t>
+              <a:t>, </a:t>
             </a:r>
             <a:r>
               <a:rPr lang="ru-RU" sz="2000" dirty="0" err="1">
@@ -5985,7 +6014,7 @@
                   </a:schemeClr>
                 </a:solidFill>
               </a:rPr>
-              <a:t>програма</a:t>
+              <a:t>която</a:t>
             </a:r>
             <a:r>
               <a:rPr lang="ru-RU" sz="2000" dirty="0">
@@ -5995,7 +6024,7 @@
                   </a:schemeClr>
                 </a:solidFill>
               </a:rPr>
-              <a:t>, </a:t>
+              <a:t> </a:t>
             </a:r>
             <a:r>
               <a:rPr lang="ru-RU" sz="2000" dirty="0" err="1">
@@ -6005,7 +6034,7 @@
                   </a:schemeClr>
                 </a:solidFill>
               </a:rPr>
-              <a:t>която</a:t>
+              <a:t>показва</a:t>
             </a:r>
             <a:r>
               <a:rPr lang="ru-RU" sz="2000" dirty="0">
@@ -6015,9 +6044,39 @@
                   </a:schemeClr>
                 </a:solidFill>
               </a:rPr>
+              <a:t> знака (+ или -) от </a:t>
+            </a:r>
+            <a:r>
+              <a:rPr lang="ru-RU" sz="2000" dirty="0" err="1" smtClean="0">
+                <a:solidFill>
+                  <a:schemeClr val="bg1">
+                    <a:lumMod val="95000"/>
+                  </a:schemeClr>
+                </a:solidFill>
+              </a:rPr>
+              <a:t>частното</a:t>
+            </a:r>
+            <a:r>
+              <a:rPr lang="ru-RU" sz="2000" dirty="0" smtClean="0">
+                <a:solidFill>
+                  <a:schemeClr val="bg1">
+                    <a:lumMod val="95000"/>
+                  </a:schemeClr>
+                </a:solidFill>
+              </a:rPr>
               <a:t> </a:t>
             </a:r>
             <a:r>
+              <a:rPr lang="ru-RU" sz="2000" dirty="0">
+                <a:solidFill>
+                  <a:schemeClr val="bg1">
+                    <a:lumMod val="95000"/>
+                  </a:schemeClr>
+                </a:solidFill>
+              </a:rPr>
+              <a:t>на две </a:t>
+            </a:r>
+            <a:r>
               <a:rPr lang="ru-RU" sz="2000" dirty="0" err="1">
                 <a:solidFill>
                   <a:schemeClr val="bg1">
@@ -6025,7 +6084,7 @@
                   </a:schemeClr>
                 </a:solidFill>
               </a:rPr>
-              <a:t>показва</a:t>
+              <a:t>реални</a:t>
             </a:r>
             <a:r>
               <a:rPr lang="ru-RU" sz="2000" dirty="0">
@@ -6035,106 +6094,65 @@
                   </a:schemeClr>
                 </a:solidFill>
               </a:rPr>
-              <a:t> знака (+ или -) от </a:t>
-            </a:r>
-            <a:r>
-              <a:rPr lang="ru-RU" sz="2000" dirty="0" err="1" smtClean="0">
-                <a:solidFill>
-                  <a:schemeClr val="bg1">
-                    <a:lumMod val="95000"/>
-                  </a:schemeClr>
-                </a:solidFill>
-              </a:rPr>
-              <a:t>частното</a:t>
+              <a:t> числа, без да </a:t>
+            </a:r>
+            <a:r>
+              <a:rPr lang="ru-RU" sz="2000" dirty="0" err="1">
+                <a:solidFill>
+                  <a:schemeClr val="bg1">
+                    <a:lumMod val="95000"/>
+                  </a:schemeClr>
+                </a:solidFill>
+              </a:rPr>
+              <a:t>го</a:t>
+            </a:r>
+            <a:r>
+              <a:rPr lang="ru-RU" sz="2000" dirty="0">
+                <a:solidFill>
+                  <a:schemeClr val="bg1">
+                    <a:lumMod val="95000"/>
+                  </a:schemeClr>
+                </a:solidFill>
+              </a:rPr>
+              <a:t> </a:t>
+            </a:r>
+            <a:r>
+              <a:rPr lang="ru-RU" sz="2000" dirty="0" err="1">
+                <a:solidFill>
+                  <a:schemeClr val="bg1">
+                    <a:lumMod val="95000"/>
+                  </a:schemeClr>
+                </a:solidFill>
+              </a:rPr>
+              <a:t>пресмята</a:t>
+            </a:r>
+            <a:r>
+              <a:rPr lang="ru-RU" sz="2000" dirty="0">
+                <a:solidFill>
+                  <a:schemeClr val="bg1">
+                    <a:lumMod val="95000"/>
+                  </a:schemeClr>
+                </a:solidFill>
+              </a:rPr>
+              <a:t>.</a:t>
+            </a:r>
+          </a:p>
+          <a:p>
+            <a:pPr marL="0" indent="0">
+              <a:buNone/>
+            </a:pPr>
+            <a:r>
+              <a:rPr lang="en-US" sz="2000" dirty="0" smtClean="0">
+                <a:solidFill>
+                  <a:schemeClr val="bg1">
+                    <a:lumMod val="95000"/>
+                  </a:schemeClr>
+                </a:solidFill>
+              </a:rPr>
+              <a:t>3.1.2) </a:t>
             </a:r>
             <a:r>
               <a:rPr lang="ru-RU" sz="2000" dirty="0" smtClean="0">
-                <a:solidFill>
-                  <a:schemeClr val="bg1">
-                    <a:lumMod val="95000"/>
-                  </a:schemeClr>
-                </a:solidFill>
-              </a:rPr>
-              <a:t> </a:t>
-            </a:r>
-            <a:r>
-              <a:rPr lang="ru-RU" sz="2000" dirty="0">
-                <a:solidFill>
-                  <a:schemeClr val="bg1">
-                    <a:lumMod val="95000"/>
-                  </a:schemeClr>
-                </a:solidFill>
-              </a:rPr>
-              <a:t>на две </a:t>
-            </a:r>
-            <a:r>
-              <a:rPr lang="ru-RU" sz="2000" dirty="0" err="1">
-                <a:solidFill>
-                  <a:schemeClr val="bg1">
-                    <a:lumMod val="95000"/>
-                  </a:schemeClr>
-                </a:solidFill>
-              </a:rPr>
-              <a:t>реални</a:t>
-            </a:r>
-            <a:r>
-              <a:rPr lang="ru-RU" sz="2000" dirty="0">
-                <a:solidFill>
-                  <a:schemeClr val="bg1">
-                    <a:lumMod val="95000"/>
-                  </a:schemeClr>
-                </a:solidFill>
-              </a:rPr>
-              <a:t> числа, без да </a:t>
-            </a:r>
-            <a:r>
-              <a:rPr lang="ru-RU" sz="2000" dirty="0" err="1">
-                <a:solidFill>
-                  <a:schemeClr val="bg1">
-                    <a:lumMod val="95000"/>
-                  </a:schemeClr>
-                </a:solidFill>
-              </a:rPr>
-              <a:t>го</a:t>
-            </a:r>
-            <a:r>
-              <a:rPr lang="ru-RU" sz="2000" dirty="0">
-                <a:solidFill>
-                  <a:schemeClr val="bg1">
-                    <a:lumMod val="95000"/>
-                  </a:schemeClr>
-                </a:solidFill>
-              </a:rPr>
-              <a:t> </a:t>
-            </a:r>
-            <a:r>
-              <a:rPr lang="ru-RU" sz="2000" dirty="0" err="1">
-                <a:solidFill>
-                  <a:schemeClr val="bg1">
-                    <a:lumMod val="95000"/>
-                  </a:schemeClr>
-                </a:solidFill>
-              </a:rPr>
-              <a:t>пресмята</a:t>
-            </a:r>
-            <a:r>
-              <a:rPr lang="ru-RU" sz="2000" dirty="0">
-                <a:solidFill>
-                  <a:schemeClr val="bg1">
-                    <a:lumMod val="95000"/>
-                  </a:schemeClr>
-                </a:solidFill>
-              </a:rPr>
-              <a:t>.</a:t>
-            </a:r>
-          </a:p>
-          <a:p>
-            <a:pPr marL="457200" indent="-457200">
-              <a:buFont typeface="+mj-lt"/>
-              <a:buAutoNum type="arabicParenR"/>
-            </a:pPr>
-            <a:r>
-              <a:rPr lang="ru-RU" sz="2000" dirty="0">
                 <a:solidFill>
                   <a:schemeClr val="bg1">
                     <a:lumMod val="95000"/>
@@ -6272,12 +6290,21 @@
             </a:endParaRPr>
           </a:p>
           <a:p>
-            <a:pPr marL="457200" indent="-457200">
-              <a:buFont typeface="+mj-lt"/>
-              <a:buAutoNum type="arabicParenR"/>
+            <a:pPr marL="0" indent="0">
+              <a:buNone/>
             </a:pPr>
             <a:r>
-              <a:rPr lang="ru-RU" sz="2000" dirty="0">
+              <a:rPr lang="en-US" sz="2000" dirty="0" smtClean="0">
+                <a:solidFill>
+                  <a:schemeClr val="bg1">
+                    <a:lumMod val="95000"/>
+                  </a:schemeClr>
+                </a:solidFill>
+              </a:rPr>
+              <a:t>3.1.3) </a:t>
+            </a:r>
+            <a:r>
+              <a:rPr lang="ru-RU" sz="2000" dirty="0" smtClean="0">
                 <a:solidFill>
                   <a:schemeClr val="bg1">
                     <a:lumMod val="95000"/>
@@ -6405,12 +6432,21 @@
             </a:endParaRPr>
           </a:p>
           <a:p>
-            <a:pPr marL="457200" indent="-457200">
-              <a:buFont typeface="+mj-lt"/>
-              <a:buAutoNum type="arabicParenR"/>
+            <a:pPr marL="0" indent="0">
+              <a:buNone/>
             </a:pPr>
             <a:r>
-              <a:rPr lang="ru-RU" sz="2000" dirty="0">
+              <a:rPr lang="en-US" sz="2000" dirty="0" smtClean="0">
+                <a:solidFill>
+                  <a:schemeClr val="bg1">
+                    <a:lumMod val="95000"/>
+                  </a:schemeClr>
+                </a:solidFill>
+              </a:rPr>
+              <a:t>3.1.4) </a:t>
+            </a:r>
+            <a:r>
+              <a:rPr lang="ru-RU" sz="2000" dirty="0" smtClean="0">
                 <a:solidFill>
                   <a:schemeClr val="bg1">
                     <a:lumMod val="95000"/>
@@ -6528,11 +6564,40 @@
             </a:endParaRPr>
           </a:p>
           <a:p>
-            <a:pPr marL="457200" indent="-457200">
-              <a:buFont typeface="+mj-lt"/>
-              <a:buAutoNum type="arabicParenR"/>
+            <a:pPr marL="0" indent="0">
+              <a:buNone/>
             </a:pPr>
             <a:r>
+              <a:rPr lang="en-US" sz="2000" dirty="0" smtClean="0">
+                <a:solidFill>
+                  <a:schemeClr val="bg1">
+                    <a:lumMod val="95000"/>
+                  </a:schemeClr>
+                </a:solidFill>
+              </a:rPr>
+              <a:t>3.1.5) </a:t>
+            </a:r>
+            <a:r>
+              <a:rPr lang="ru-RU" sz="2000" dirty="0" smtClean="0">
+                <a:solidFill>
+                  <a:schemeClr val="bg1">
+                    <a:lumMod val="95000"/>
+                  </a:schemeClr>
+                </a:solidFill>
+              </a:rPr>
+              <a:t>Напишете </a:t>
+            </a:r>
+            <a:r>
+              <a:rPr lang="ru-RU" sz="2000" dirty="0" err="1">
+                <a:solidFill>
+                  <a:schemeClr val="bg1">
+                    <a:lumMod val="95000"/>
+                  </a:schemeClr>
+                </a:solidFill>
+              </a:rPr>
+              <a:t>програма</a:t>
+            </a:r>
+            <a:r>
               <a:rPr lang="ru-RU" sz="2000" dirty="0">
                 <a:solidFill>
                   <a:schemeClr val="bg1">
@@ -6540,6 +6605,271 @@
                   </a:schemeClr>
                 </a:solidFill>
               </a:rPr>
+              <a:t>, </a:t>
+            </a:r>
+            <a:r>
+              <a:rPr lang="ru-RU" sz="2000" dirty="0" err="1">
+                <a:solidFill>
+                  <a:schemeClr val="bg1">
+                    <a:lumMod val="95000"/>
+                  </a:schemeClr>
+                </a:solidFill>
+              </a:rPr>
+              <a:t>която</a:t>
+            </a:r>
+            <a:r>
+              <a:rPr lang="ru-RU" sz="2000" dirty="0">
+                <a:solidFill>
+                  <a:schemeClr val="bg1">
+                    <a:lumMod val="95000"/>
+                  </a:schemeClr>
+                </a:solidFill>
+              </a:rPr>
+              <a:t> приема </a:t>
+            </a:r>
+            <a:r>
+              <a:rPr lang="ru-RU" sz="2000" dirty="0" smtClean="0">
+                <a:solidFill>
+                  <a:schemeClr val="bg1">
+                    <a:lumMod val="95000"/>
+                  </a:schemeClr>
+                </a:solidFill>
+              </a:rPr>
+              <a:t>три </a:t>
+            </a:r>
+            <a:r>
+              <a:rPr lang="ru-RU" sz="2000" dirty="0">
+                <a:solidFill>
+                  <a:schemeClr val="bg1">
+                    <a:lumMod val="95000"/>
+                  </a:schemeClr>
+                </a:solidFill>
+              </a:rPr>
+              <a:t>цели числа. Изведете на </a:t>
+            </a:r>
+            <a:r>
+              <a:rPr lang="ru-RU" sz="2000" dirty="0" err="1">
+                <a:solidFill>
+                  <a:schemeClr val="bg1">
+                    <a:lumMod val="95000"/>
+                  </a:schemeClr>
+                </a:solidFill>
+              </a:rPr>
+              <a:t>конзолата</a:t>
+            </a:r>
+            <a:r>
+              <a:rPr lang="ru-RU" sz="2000" dirty="0">
+                <a:solidFill>
+                  <a:schemeClr val="bg1">
+                    <a:lumMod val="95000"/>
+                  </a:schemeClr>
+                </a:solidFill>
+              </a:rPr>
+              <a:t> дали </a:t>
+            </a:r>
+            <a:r>
+              <a:rPr lang="ru-RU" sz="2000" dirty="0" err="1">
+                <a:solidFill>
+                  <a:schemeClr val="bg1">
+                    <a:lumMod val="95000"/>
+                  </a:schemeClr>
+                </a:solidFill>
+              </a:rPr>
+              <a:t>може</a:t>
+            </a:r>
+            <a:r>
+              <a:rPr lang="ru-RU" sz="2000" dirty="0">
+                <a:solidFill>
+                  <a:schemeClr val="bg1">
+                    <a:lumMod val="95000"/>
+                  </a:schemeClr>
+                </a:solidFill>
+              </a:rPr>
+              <a:t> да </a:t>
+            </a:r>
+            <a:r>
+              <a:rPr lang="ru-RU" sz="2000" dirty="0" err="1">
+                <a:solidFill>
+                  <a:schemeClr val="bg1">
+                    <a:lumMod val="95000"/>
+                  </a:schemeClr>
+                </a:solidFill>
+              </a:rPr>
+              <a:t>бъде</a:t>
+            </a:r>
+            <a:r>
+              <a:rPr lang="ru-RU" sz="2000" dirty="0">
+                <a:solidFill>
+                  <a:schemeClr val="bg1">
+                    <a:lumMod val="95000"/>
+                  </a:schemeClr>
+                </a:solidFill>
+              </a:rPr>
+              <a:t> </a:t>
+            </a:r>
+            <a:r>
+              <a:rPr lang="ru-RU" sz="2000" dirty="0" err="1">
+                <a:solidFill>
+                  <a:schemeClr val="bg1">
+                    <a:lumMod val="95000"/>
+                  </a:schemeClr>
+                </a:solidFill>
+              </a:rPr>
+              <a:t>бъде</a:t>
+            </a:r>
+            <a:r>
+              <a:rPr lang="ru-RU" sz="2000" dirty="0">
+                <a:solidFill>
+                  <a:schemeClr val="bg1">
+                    <a:lumMod val="95000"/>
+                  </a:schemeClr>
+                </a:solidFill>
+              </a:rPr>
+              <a:t> </a:t>
+            </a:r>
+            <a:r>
+              <a:rPr lang="ru-RU" sz="2000" dirty="0" err="1">
+                <a:solidFill>
+                  <a:schemeClr val="bg1">
+                    <a:lumMod val="95000"/>
+                  </a:schemeClr>
+                </a:solidFill>
+              </a:rPr>
+              <a:t>образуван</a:t>
+            </a:r>
+            <a:r>
+              <a:rPr lang="ru-RU" sz="2000" dirty="0">
+                <a:solidFill>
+                  <a:schemeClr val="bg1">
+                    <a:lumMod val="95000"/>
+                  </a:schemeClr>
+                </a:solidFill>
+              </a:rPr>
+              <a:t> </a:t>
+            </a:r>
+            <a:r>
+              <a:rPr lang="ru-RU" sz="2000" dirty="0" err="1">
+                <a:solidFill>
+                  <a:schemeClr val="bg1">
+                    <a:lumMod val="95000"/>
+                  </a:schemeClr>
+                </a:solidFill>
+              </a:rPr>
+              <a:t>триъгълник</a:t>
+            </a:r>
+            <a:r>
+              <a:rPr lang="ru-RU" sz="2000" dirty="0">
+                <a:solidFill>
+                  <a:schemeClr val="bg1">
+                    <a:lumMod val="95000"/>
+                  </a:schemeClr>
+                </a:solidFill>
+              </a:rPr>
+              <a:t> с </a:t>
+            </a:r>
+            <a:r>
+              <a:rPr lang="ru-RU" sz="2000" dirty="0" err="1">
+                <a:solidFill>
+                  <a:schemeClr val="bg1">
+                    <a:lumMod val="95000"/>
+                  </a:schemeClr>
+                </a:solidFill>
+              </a:rPr>
+              <a:t>дължини</a:t>
+            </a:r>
+            <a:r>
+              <a:rPr lang="ru-RU" sz="2000" dirty="0">
+                <a:solidFill>
+                  <a:schemeClr val="bg1">
+                    <a:lumMod val="95000"/>
+                  </a:schemeClr>
+                </a:solidFill>
+              </a:rPr>
+              <a:t> на </a:t>
+            </a:r>
+            <a:r>
+              <a:rPr lang="ru-RU" sz="2000" dirty="0" err="1">
+                <a:solidFill>
+                  <a:schemeClr val="bg1">
+                    <a:lumMod val="95000"/>
+                  </a:schemeClr>
+                </a:solidFill>
+              </a:rPr>
+              <a:t>страните</a:t>
+            </a:r>
+            <a:r>
+              <a:rPr lang="ru-RU" sz="2000" dirty="0">
+                <a:solidFill>
+                  <a:schemeClr val="bg1">
+                    <a:lumMod val="95000"/>
+                  </a:schemeClr>
+                </a:solidFill>
+              </a:rPr>
+              <a:t> </a:t>
+            </a:r>
+            <a:r>
+              <a:rPr lang="ru-RU" sz="2000" dirty="0" smtClean="0">
+                <a:solidFill>
+                  <a:schemeClr val="bg1">
+                    <a:lumMod val="95000"/>
+                  </a:schemeClr>
+                </a:solidFill>
+              </a:rPr>
+              <a:t> от </a:t>
+            </a:r>
+            <a:r>
+              <a:rPr lang="ru-RU" sz="2000" dirty="0" err="1" smtClean="0">
+                <a:solidFill>
+                  <a:schemeClr val="bg1">
+                    <a:lumMod val="95000"/>
+                  </a:schemeClr>
+                </a:solidFill>
+              </a:rPr>
+              <a:t>въведените</a:t>
+            </a:r>
+            <a:r>
+              <a:rPr lang="ru-RU" sz="2000" dirty="0" smtClean="0">
+                <a:solidFill>
+                  <a:schemeClr val="bg1">
+                    <a:lumMod val="95000"/>
+                  </a:schemeClr>
+                </a:solidFill>
+              </a:rPr>
+              <a:t> три </a:t>
+            </a:r>
+            <a:r>
+              <a:rPr lang="ru-RU" sz="2000" dirty="0">
+                <a:solidFill>
+                  <a:schemeClr val="bg1">
+                    <a:lumMod val="95000"/>
+                  </a:schemeClr>
+                </a:solidFill>
+              </a:rPr>
+              <a:t>числа.</a:t>
+            </a:r>
+          </a:p>
+          <a:p>
+            <a:pPr marL="0" indent="0">
+              <a:buNone/>
+            </a:pPr>
+            <a:r>
+              <a:rPr lang="en-US" sz="2000" dirty="0" smtClean="0">
+                <a:solidFill>
+                  <a:schemeClr val="bg1">
+                    <a:lumMod val="95000"/>
+                  </a:schemeClr>
+                </a:solidFill>
+              </a:rPr>
+              <a:t>3.1.6) </a:t>
+            </a:r>
+            <a:r>
+              <a:rPr lang="ru-RU" sz="2000" dirty="0" smtClean="0">
+                <a:solidFill>
+                  <a:schemeClr val="bg1">
+                    <a:lumMod val="95000"/>
+                  </a:schemeClr>
+                </a:solidFill>
+              </a:rPr>
               <a:t>Напишете </a:t>
             </a:r>
             <a:r>
@@ -6580,7 +6910,227 @@
                   </a:schemeClr>
                 </a:solidFill>
               </a:rPr>
-              <a:t> приема </a:t>
+              <a:t> </a:t>
+            </a:r>
+            <a:r>
+              <a:rPr lang="ru-RU" sz="2000" dirty="0" err="1">
+                <a:solidFill>
+                  <a:schemeClr val="bg1">
+                    <a:lumMod val="95000"/>
+                  </a:schemeClr>
+                </a:solidFill>
+              </a:rPr>
+              <a:t>изчислява</a:t>
+            </a:r>
+            <a:r>
+              <a:rPr lang="ru-RU" sz="2000" dirty="0">
+                <a:solidFill>
+                  <a:schemeClr val="bg1">
+                    <a:lumMod val="95000"/>
+                  </a:schemeClr>
+                </a:solidFill>
+              </a:rPr>
+              <a:t> бонус точки на база </a:t>
+            </a:r>
+            <a:r>
+              <a:rPr lang="ru-RU" sz="2000" dirty="0" err="1">
+                <a:solidFill>
+                  <a:schemeClr val="bg1">
+                    <a:lumMod val="95000"/>
+                  </a:schemeClr>
+                </a:solidFill>
+              </a:rPr>
+              <a:t>резултат</a:t>
+            </a:r>
+            <a:r>
+              <a:rPr lang="ru-RU" sz="2000" dirty="0">
+                <a:solidFill>
+                  <a:schemeClr val="bg1">
+                    <a:lumMod val="95000"/>
+                  </a:schemeClr>
+                </a:solidFill>
+              </a:rPr>
+              <a:t> от игра. </a:t>
+            </a:r>
+            <a:r>
+              <a:rPr lang="ru-RU" sz="2000" dirty="0" err="1">
+                <a:solidFill>
+                  <a:schemeClr val="bg1">
+                    <a:lumMod val="95000"/>
+                  </a:schemeClr>
+                </a:solidFill>
+              </a:rPr>
+              <a:t>Потребителят</a:t>
+            </a:r>
+            <a:r>
+              <a:rPr lang="ru-RU" sz="2000" dirty="0">
+                <a:solidFill>
+                  <a:schemeClr val="bg1">
+                    <a:lumMod val="95000"/>
+                  </a:schemeClr>
+                </a:solidFill>
+              </a:rPr>
+              <a:t> </a:t>
+            </a:r>
+            <a:r>
+              <a:rPr lang="ru-RU" sz="2000" dirty="0" err="1">
+                <a:solidFill>
+                  <a:schemeClr val="bg1">
+                    <a:lumMod val="95000"/>
+                  </a:schemeClr>
+                </a:solidFill>
+              </a:rPr>
+              <a:t>трябва</a:t>
+            </a:r>
+            <a:r>
+              <a:rPr lang="ru-RU" sz="2000" dirty="0">
+                <a:solidFill>
+                  <a:schemeClr val="bg1">
+                    <a:lumMod val="95000"/>
+                  </a:schemeClr>
+                </a:solidFill>
+              </a:rPr>
+              <a:t> да </a:t>
+            </a:r>
+            <a:r>
+              <a:rPr lang="ru-RU" sz="2000" dirty="0" err="1">
+                <a:solidFill>
+                  <a:schemeClr val="bg1">
+                    <a:lumMod val="95000"/>
+                  </a:schemeClr>
+                </a:solidFill>
+              </a:rPr>
+              <a:t>въведе</a:t>
+            </a:r>
+            <a:r>
+              <a:rPr lang="ru-RU" sz="2000" dirty="0">
+                <a:solidFill>
+                  <a:schemeClr val="bg1">
+                    <a:lumMod val="95000"/>
+                  </a:schemeClr>
+                </a:solidFill>
+              </a:rPr>
+              <a:t> </a:t>
+            </a:r>
+            <a:r>
+              <a:rPr lang="ru-RU" sz="2000" dirty="0" err="1">
+                <a:solidFill>
+                  <a:schemeClr val="bg1">
+                    <a:lumMod val="95000"/>
+                  </a:schemeClr>
+                </a:solidFill>
+              </a:rPr>
+              <a:t>своите</a:t>
+            </a:r>
+            <a:r>
+              <a:rPr lang="ru-RU" sz="2000" dirty="0">
+                <a:solidFill>
+                  <a:schemeClr val="bg1">
+                    <a:lumMod val="95000"/>
+                  </a:schemeClr>
+                </a:solidFill>
+              </a:rPr>
+              <a:t> </a:t>
+            </a:r>
+            <a:r>
+              <a:rPr lang="ru-RU" sz="2000" dirty="0" err="1">
+                <a:solidFill>
+                  <a:schemeClr val="bg1">
+                    <a:lumMod val="95000"/>
+                  </a:schemeClr>
+                </a:solidFill>
+              </a:rPr>
+              <a:t>точни</a:t>
+            </a:r>
+            <a:r>
+              <a:rPr lang="ru-RU" sz="2000" dirty="0">
+                <a:solidFill>
+                  <a:schemeClr val="bg1">
+                    <a:lumMod val="95000"/>
+                  </a:schemeClr>
+                </a:solidFill>
+              </a:rPr>
+              <a:t> в </a:t>
+            </a:r>
+            <a:r>
+              <a:rPr lang="ru-RU" sz="2000" dirty="0" err="1">
+                <a:solidFill>
+                  <a:schemeClr val="bg1">
+                    <a:lumMod val="95000"/>
+                  </a:schemeClr>
+                </a:solidFill>
+              </a:rPr>
+              <a:t>интервалa</a:t>
+            </a:r>
+            <a:r>
+              <a:rPr lang="ru-RU" sz="2000" dirty="0">
+                <a:solidFill>
+                  <a:schemeClr val="bg1">
+                    <a:lumMod val="95000"/>
+                  </a:schemeClr>
+                </a:solidFill>
+              </a:rPr>
+              <a:t>[1;9]. </a:t>
+            </a:r>
+            <a:r>
+              <a:rPr lang="ru-RU" sz="2000" dirty="0" err="1">
+                <a:solidFill>
+                  <a:schemeClr val="bg1">
+                    <a:lumMod val="95000"/>
+                  </a:schemeClr>
+                </a:solidFill>
+              </a:rPr>
+              <a:t>Ако</a:t>
+            </a:r>
+            <a:r>
+              <a:rPr lang="ru-RU" sz="2000" dirty="0">
+                <a:solidFill>
+                  <a:schemeClr val="bg1">
+                    <a:lumMod val="95000"/>
+                  </a:schemeClr>
+                </a:solidFill>
+              </a:rPr>
+              <a:t> </a:t>
+            </a:r>
+            <a:r>
+              <a:rPr lang="ru-RU" sz="2000" dirty="0" err="1">
+                <a:solidFill>
+                  <a:schemeClr val="bg1">
+                    <a:lumMod val="95000"/>
+                  </a:schemeClr>
+                </a:solidFill>
+              </a:rPr>
+              <a:t>точките</a:t>
+            </a:r>
+            <a:r>
+              <a:rPr lang="ru-RU" sz="2000" dirty="0">
+                <a:solidFill>
+                  <a:schemeClr val="bg1">
+                    <a:lumMod val="95000"/>
+                  </a:schemeClr>
+                </a:solidFill>
+              </a:rPr>
+              <a:t> </a:t>
+            </a:r>
+            <a:r>
+              <a:rPr lang="ru-RU" sz="2000" dirty="0" err="1">
+                <a:solidFill>
+                  <a:schemeClr val="bg1">
+                    <a:lumMod val="95000"/>
+                  </a:schemeClr>
+                </a:solidFill>
+              </a:rPr>
+              <a:t>са</a:t>
+            </a:r>
+            <a:r>
+              <a:rPr lang="ru-RU" sz="2000" dirty="0">
+                <a:solidFill>
+                  <a:schemeClr val="bg1">
+                    <a:lumMod val="95000"/>
+                  </a:schemeClr>
+                </a:solidFill>
+              </a:rPr>
+              <a:t> в интервала [</a:t>
             </a:r>
             <a:r>
               <a:rPr lang="ru-RU" sz="2000" dirty="0" smtClean="0">
@@ -6590,7 +7140,37 @@
                   </a:schemeClr>
                 </a:solidFill>
               </a:rPr>
-              <a:t>три </a:t>
+              <a:t>1;3], </a:t>
+            </a:r>
+            <a:r>
+              <a:rPr lang="ru-RU" sz="2000" dirty="0" err="1" smtClean="0">
+                <a:solidFill>
+                  <a:schemeClr val="bg1">
+                    <a:lumMod val="95000"/>
+                  </a:schemeClr>
+                </a:solidFill>
+              </a:rPr>
+              <a:t>умножете</a:t>
+            </a:r>
+            <a:r>
+              <a:rPr lang="ru-RU" sz="2000" dirty="0" smtClean="0">
+                <a:solidFill>
+                  <a:schemeClr val="bg1">
+                    <a:lumMod val="95000"/>
+                  </a:schemeClr>
+                </a:solidFill>
+              </a:rPr>
+              <a:t> </a:t>
+            </a:r>
+            <a:r>
+              <a:rPr lang="ru-RU" sz="2000" dirty="0" err="1">
+                <a:solidFill>
+                  <a:schemeClr val="bg1">
+                    <a:lumMod val="95000"/>
+                  </a:schemeClr>
+                </a:solidFill>
+              </a:rPr>
+              <a:t>ги</a:t>
             </a:r>
             <a:r>
               <a:rPr lang="ru-RU" sz="2000" dirty="0">
@@ -6600,7 +7180,7 @@
                   </a:schemeClr>
                 </a:solidFill>
               </a:rPr>
-              <a:t>цели числа. Изведете на </a:t>
+              <a:t> по 5. </a:t>
             </a:r>
             <a:r>
               <a:rPr lang="ru-RU" sz="2000" dirty="0" err="1">
@@ -6610,7 +7190,7 @@
                   </a:schemeClr>
                 </a:solidFill>
               </a:rPr>
-              <a:t>конзолата</a:t>
+              <a:t>Ако</a:t>
             </a:r>
             <a:r>
               <a:rPr lang="ru-RU" sz="2000" dirty="0">
@@ -6620,7 +7200,7 @@
                   </a:schemeClr>
                 </a:solidFill>
               </a:rPr>
-              <a:t> дали </a:t>
+              <a:t> </a:t>
             </a:r>
             <a:r>
               <a:rPr lang="ru-RU" sz="2000" dirty="0" err="1">
@@ -6630,7 +7210,7 @@
                   </a:schemeClr>
                 </a:solidFill>
               </a:rPr>
-              <a:t>може</a:t>
+              <a:t>точките</a:t>
             </a:r>
             <a:r>
               <a:rPr lang="ru-RU" sz="2000" dirty="0">
@@ -6640,7 +7220,7 @@
                   </a:schemeClr>
                 </a:solidFill>
               </a:rPr>
-              <a:t> да </a:t>
+              <a:t> </a:t>
             </a:r>
             <a:r>
               <a:rPr lang="ru-RU" sz="2000" dirty="0" err="1">
@@ -6650,7 +7230,7 @@
                   </a:schemeClr>
                 </a:solidFill>
               </a:rPr>
-              <a:t>бъде</a:t>
+              <a:t>са</a:t>
             </a:r>
             <a:r>
               <a:rPr lang="ru-RU" sz="2000" dirty="0">
@@ -6660,6 +7240,36 @@
                   </a:schemeClr>
                 </a:solidFill>
               </a:rPr>
+              <a:t> в интервала [</a:t>
+            </a:r>
+            <a:r>
+              <a:rPr lang="ru-RU" sz="2000" dirty="0" smtClean="0">
+                <a:solidFill>
+                  <a:schemeClr val="bg1">
+                    <a:lumMod val="95000"/>
+                  </a:schemeClr>
+                </a:solidFill>
+              </a:rPr>
+              <a:t>4;6], </a:t>
+            </a:r>
+            <a:r>
+              <a:rPr lang="ru-RU" sz="2000" dirty="0" err="1" smtClean="0">
+                <a:solidFill>
+                  <a:schemeClr val="bg1">
+                    <a:lumMod val="95000"/>
+                  </a:schemeClr>
+                </a:solidFill>
+              </a:rPr>
+              <a:t>умножете</a:t>
+            </a:r>
+            <a:r>
+              <a:rPr lang="ru-RU" sz="2000" dirty="0" smtClean="0">
+                <a:solidFill>
+                  <a:schemeClr val="bg1">
+                    <a:lumMod val="95000"/>
+                  </a:schemeClr>
+                </a:solidFill>
+              </a:rPr>
               <a:t> </a:t>
             </a:r>
             <a:r>
@@ -6670,7 +7280,7 @@
                   </a:schemeClr>
                 </a:solidFill>
               </a:rPr>
-              <a:t>бъде</a:t>
+              <a:t>ги</a:t>
             </a:r>
             <a:r>
               <a:rPr lang="ru-RU" sz="2000" dirty="0">
@@ -6680,6 +7290,26 @@
                   </a:schemeClr>
                 </a:solidFill>
               </a:rPr>
+              <a:t> по 10. </a:t>
+            </a:r>
+            <a:r>
+              <a:rPr lang="ru-RU" sz="2000" dirty="0" err="1">
+                <a:solidFill>
+                  <a:schemeClr val="bg1">
+                    <a:lumMod val="95000"/>
+                  </a:schemeClr>
+                </a:solidFill>
+              </a:rPr>
+              <a:t>Ако</a:t>
+            </a:r>
+            <a:r>
+              <a:rPr lang="ru-RU" sz="2000" dirty="0">
+                <a:solidFill>
+                  <a:schemeClr val="bg1">
+                    <a:lumMod val="95000"/>
+                  </a:schemeClr>
+                </a:solidFill>
+              </a:rPr>
               <a:t> </a:t>
             </a:r>
             <a:r>
@@ -6690,7 +7320,7 @@
                   </a:schemeClr>
                 </a:solidFill>
               </a:rPr>
-              <a:t>образуван</a:t>
+              <a:t>точките</a:t>
             </a:r>
             <a:r>
               <a:rPr lang="ru-RU" sz="2000" dirty="0">
@@ -6710,7 +7340,7 @@
                   </a:schemeClr>
                 </a:solidFill>
               </a:rPr>
-              <a:t>триъгълник</a:t>
+              <a:t>са</a:t>
             </a:r>
             <a:r>
               <a:rPr lang="ru-RU" sz="2000" dirty="0">
@@ -6720,7 +7350,37 @@
                   </a:schemeClr>
                 </a:solidFill>
               </a:rPr>
-              <a:t> с </a:t>
+              <a:t> в интервала [</a:t>
+            </a:r>
+            <a:r>
+              <a:rPr lang="ru-RU" sz="2000" dirty="0" smtClean="0">
+                <a:solidFill>
+                  <a:schemeClr val="bg1">
+                    <a:lumMod val="95000"/>
+                  </a:schemeClr>
+                </a:solidFill>
+              </a:rPr>
+              <a:t>7;9], </a:t>
+            </a:r>
+            <a:r>
+              <a:rPr lang="ru-RU" sz="2000" dirty="0" err="1" smtClean="0">
+                <a:solidFill>
+                  <a:schemeClr val="bg1">
+                    <a:lumMod val="95000"/>
+                  </a:schemeClr>
+                </a:solidFill>
+              </a:rPr>
+              <a:t>умножете</a:t>
+            </a:r>
+            <a:r>
+              <a:rPr lang="ru-RU" sz="2000" dirty="0" smtClean="0">
+                <a:solidFill>
+                  <a:schemeClr val="bg1">
+                    <a:lumMod val="95000"/>
+                  </a:schemeClr>
+                </a:solidFill>
+              </a:rPr>
+              <a:t> </a:t>
             </a:r>
             <a:r>
               <a:rPr lang="ru-RU" sz="2000" dirty="0" err="1">
@@ -6730,7 +7390,7 @@
                   </a:schemeClr>
                 </a:solidFill>
               </a:rPr>
-              <a:t>дължини</a:t>
+              <a:t>ги</a:t>
             </a:r>
             <a:r>
               <a:rPr lang="ru-RU" sz="2000" dirty="0">
@@ -6740,7 +7400,7 @@
                   </a:schemeClr>
                 </a:solidFill>
               </a:rPr>
-              <a:t> на </a:t>
+              <a:t> по 50. </a:t>
             </a:r>
             <a:r>
               <a:rPr lang="ru-RU" sz="2000" dirty="0" err="1">
@@ -6750,7 +7410,7 @@
                   </a:schemeClr>
                 </a:solidFill>
               </a:rPr>
-              <a:t>страните</a:t>
+              <a:t>Резултатът</a:t>
             </a:r>
             <a:r>
               <a:rPr lang="ru-RU" sz="2000" dirty="0">
@@ -6760,37 +7420,17 @@
                   </a:schemeClr>
                 </a:solidFill>
               </a:rPr>
-              <a:t> </a:t>
-            </a:r>
-            <a:r>
-              <a:rPr lang="ru-RU" sz="2000" dirty="0" smtClean="0">
-                <a:solidFill>
-                  <a:schemeClr val="bg1">
-                    <a:lumMod val="95000"/>
-                  </a:schemeClr>
-                </a:solidFill>
-              </a:rPr>
-              <a:t> от </a:t>
-            </a:r>
-            <a:r>
-              <a:rPr lang="ru-RU" sz="2000" dirty="0" err="1" smtClean="0">
-                <a:solidFill>
-                  <a:schemeClr val="bg1">
-                    <a:lumMod val="95000"/>
-                  </a:schemeClr>
-                </a:solidFill>
-              </a:rPr>
-              <a:t>въведените</a:t>
-            </a:r>
-            <a:r>
-              <a:rPr lang="ru-RU" sz="2000" dirty="0" smtClean="0">
-                <a:solidFill>
-                  <a:schemeClr val="bg1">
-                    <a:lumMod val="95000"/>
-                  </a:schemeClr>
-                </a:solidFill>
-              </a:rPr>
-              <a:t> три </a:t>
+              <a:t> изведете на </a:t>
+            </a:r>
+            <a:r>
+              <a:rPr lang="ru-RU" sz="2000" dirty="0" err="1">
+                <a:solidFill>
+                  <a:schemeClr val="bg1">
+                    <a:lumMod val="95000"/>
+                  </a:schemeClr>
+                </a:solidFill>
+              </a:rPr>
+              <a:t>екрана</a:t>
             </a:r>
             <a:r>
               <a:rPr lang="ru-RU" sz="2000" dirty="0">
@@ -6800,599 +7440,12 @@
                   </a:schemeClr>
                 </a:solidFill>
               </a:rPr>
-              <a:t>числа.</a:t>
-            </a:r>
-          </a:p>
-          <a:p>
-            <a:pPr marL="457200" indent="-457200">
-              <a:buFont typeface="+mj-lt"/>
-              <a:buAutoNum type="arabicParenR"/>
-            </a:pPr>
-            <a:r>
-              <a:rPr lang="ru-RU" sz="2000" dirty="0">
-                <a:solidFill>
-                  <a:schemeClr val="bg1">
-                    <a:lumMod val="95000"/>
-                  </a:schemeClr>
-                </a:solidFill>
-              </a:rPr>
-              <a:t>Напишете </a:t>
-            </a:r>
-            <a:r>
-              <a:rPr lang="ru-RU" sz="2000" dirty="0" err="1">
-                <a:solidFill>
-                  <a:schemeClr val="bg1">
-                    <a:lumMod val="95000"/>
-                  </a:schemeClr>
-                </a:solidFill>
-              </a:rPr>
-              <a:t>програма</a:t>
-            </a:r>
-            <a:r>
-              <a:rPr lang="ru-RU" sz="2000" dirty="0">
-                <a:solidFill>
-                  <a:schemeClr val="bg1">
-                    <a:lumMod val="95000"/>
-                  </a:schemeClr>
-                </a:solidFill>
-              </a:rPr>
-              <a:t>, </a:t>
-            </a:r>
-            <a:r>
-              <a:rPr lang="ru-RU" sz="2000" dirty="0" err="1">
-                <a:solidFill>
-                  <a:schemeClr val="bg1">
-                    <a:lumMod val="95000"/>
-                  </a:schemeClr>
-                </a:solidFill>
-              </a:rPr>
-              <a:t>която</a:t>
-            </a:r>
-            <a:r>
-              <a:rPr lang="ru-RU" sz="2000" dirty="0">
-                <a:solidFill>
-                  <a:schemeClr val="bg1">
-                    <a:lumMod val="95000"/>
-                  </a:schemeClr>
-                </a:solidFill>
-              </a:rPr>
-              <a:t> </a:t>
-            </a:r>
-            <a:r>
-              <a:rPr lang="ru-RU" sz="2000" dirty="0" err="1">
-                <a:solidFill>
-                  <a:schemeClr val="bg1">
-                    <a:lumMod val="95000"/>
-                  </a:schemeClr>
-                </a:solidFill>
-              </a:rPr>
-              <a:t>изчислява</a:t>
-            </a:r>
-            <a:r>
-              <a:rPr lang="ru-RU" sz="2000" dirty="0">
-                <a:solidFill>
-                  <a:schemeClr val="bg1">
-                    <a:lumMod val="95000"/>
-                  </a:schemeClr>
-                </a:solidFill>
-              </a:rPr>
-              <a:t> бонус точки на база </a:t>
-            </a:r>
-            <a:r>
-              <a:rPr lang="ru-RU" sz="2000" dirty="0" err="1">
-                <a:solidFill>
-                  <a:schemeClr val="bg1">
-                    <a:lumMod val="95000"/>
-                  </a:schemeClr>
-                </a:solidFill>
-              </a:rPr>
-              <a:t>резултат</a:t>
-            </a:r>
-            <a:r>
-              <a:rPr lang="ru-RU" sz="2000" dirty="0">
-                <a:solidFill>
-                  <a:schemeClr val="bg1">
-                    <a:lumMod val="95000"/>
-                  </a:schemeClr>
-                </a:solidFill>
-              </a:rPr>
-              <a:t> от игра. </a:t>
-            </a:r>
-            <a:r>
-              <a:rPr lang="ru-RU" sz="2000" dirty="0" err="1">
-                <a:solidFill>
-                  <a:schemeClr val="bg1">
-                    <a:lumMod val="95000"/>
-                  </a:schemeClr>
-                </a:solidFill>
-              </a:rPr>
-              <a:t>Потребителят</a:t>
-            </a:r>
-            <a:r>
-              <a:rPr lang="ru-RU" sz="2000" dirty="0">
-                <a:solidFill>
-                  <a:schemeClr val="bg1">
-                    <a:lumMod val="95000"/>
-                  </a:schemeClr>
-                </a:solidFill>
-              </a:rPr>
-              <a:t> </a:t>
-            </a:r>
-            <a:r>
-              <a:rPr lang="ru-RU" sz="2000" dirty="0" err="1">
-                <a:solidFill>
-                  <a:schemeClr val="bg1">
-                    <a:lumMod val="95000"/>
-                  </a:schemeClr>
-                </a:solidFill>
-              </a:rPr>
-              <a:t>трябва</a:t>
-            </a:r>
-            <a:r>
-              <a:rPr lang="ru-RU" sz="2000" dirty="0">
-                <a:solidFill>
-                  <a:schemeClr val="bg1">
-                    <a:lumMod val="95000"/>
-                  </a:schemeClr>
-                </a:solidFill>
-              </a:rPr>
-              <a:t> да </a:t>
-            </a:r>
-            <a:r>
-              <a:rPr lang="ru-RU" sz="2000" dirty="0" err="1">
-                <a:solidFill>
-                  <a:schemeClr val="bg1">
-                    <a:lumMod val="95000"/>
-                  </a:schemeClr>
-                </a:solidFill>
-              </a:rPr>
-              <a:t>въведе</a:t>
-            </a:r>
-            <a:r>
-              <a:rPr lang="ru-RU" sz="2000" dirty="0">
-                <a:solidFill>
-                  <a:schemeClr val="bg1">
-                    <a:lumMod val="95000"/>
-                  </a:schemeClr>
-                </a:solidFill>
-              </a:rPr>
-              <a:t> </a:t>
-            </a:r>
-            <a:r>
-              <a:rPr lang="ru-RU" sz="2000" dirty="0" err="1">
-                <a:solidFill>
-                  <a:schemeClr val="bg1">
-                    <a:lumMod val="95000"/>
-                  </a:schemeClr>
-                </a:solidFill>
-              </a:rPr>
-              <a:t>своите</a:t>
-            </a:r>
-            <a:r>
-              <a:rPr lang="ru-RU" sz="2000" dirty="0">
-                <a:solidFill>
-                  <a:schemeClr val="bg1">
-                    <a:lumMod val="95000"/>
-                  </a:schemeClr>
-                </a:solidFill>
-              </a:rPr>
-              <a:t> </a:t>
-            </a:r>
-            <a:r>
-              <a:rPr lang="ru-RU" sz="2000" dirty="0" err="1">
-                <a:solidFill>
-                  <a:schemeClr val="bg1">
-                    <a:lumMod val="95000"/>
-                  </a:schemeClr>
-                </a:solidFill>
-              </a:rPr>
-              <a:t>точни</a:t>
-            </a:r>
-            <a:r>
-              <a:rPr lang="ru-RU" sz="2000" dirty="0">
-                <a:solidFill>
-                  <a:schemeClr val="bg1">
-                    <a:lumMod val="95000"/>
-                  </a:schemeClr>
-                </a:solidFill>
-              </a:rPr>
-              <a:t> в </a:t>
-            </a:r>
-            <a:r>
-              <a:rPr lang="ru-RU" sz="2000" dirty="0" err="1">
-                <a:solidFill>
-                  <a:schemeClr val="bg1">
-                    <a:lumMod val="95000"/>
-                  </a:schemeClr>
-                </a:solidFill>
-              </a:rPr>
-              <a:t>интервалa</a:t>
-            </a:r>
-            <a:r>
-              <a:rPr lang="ru-RU" sz="2000" dirty="0">
-                <a:solidFill>
-                  <a:schemeClr val="bg1">
-                    <a:lumMod val="95000"/>
-                  </a:schemeClr>
-                </a:solidFill>
-              </a:rPr>
-              <a:t>[1;9]. </a:t>
-            </a:r>
-            <a:r>
-              <a:rPr lang="ru-RU" sz="2000" dirty="0" err="1">
-                <a:solidFill>
-                  <a:schemeClr val="bg1">
-                    <a:lumMod val="95000"/>
-                  </a:schemeClr>
-                </a:solidFill>
-              </a:rPr>
-              <a:t>Ако</a:t>
-            </a:r>
-            <a:r>
-              <a:rPr lang="ru-RU" sz="2000" dirty="0">
-                <a:solidFill>
-                  <a:schemeClr val="bg1">
-                    <a:lumMod val="95000"/>
-                  </a:schemeClr>
-                </a:solidFill>
-              </a:rPr>
-              <a:t> </a:t>
-            </a:r>
-            <a:r>
-              <a:rPr lang="ru-RU" sz="2000" dirty="0" err="1">
-                <a:solidFill>
-                  <a:schemeClr val="bg1">
-                    <a:lumMod val="95000"/>
-                  </a:schemeClr>
-                </a:solidFill>
-              </a:rPr>
-              <a:t>точките</a:t>
-            </a:r>
-            <a:r>
-              <a:rPr lang="ru-RU" sz="2000" dirty="0">
-                <a:solidFill>
-                  <a:schemeClr val="bg1">
-                    <a:lumMod val="95000"/>
-                  </a:schemeClr>
-                </a:solidFill>
-              </a:rPr>
-              <a:t> </a:t>
-            </a:r>
-            <a:r>
-              <a:rPr lang="ru-RU" sz="2000" dirty="0" err="1">
-                <a:solidFill>
-                  <a:schemeClr val="bg1">
-                    <a:lumMod val="95000"/>
-                  </a:schemeClr>
-                </a:solidFill>
-              </a:rPr>
-              <a:t>са</a:t>
-            </a:r>
-            <a:r>
-              <a:rPr lang="ru-RU" sz="2000" dirty="0">
-                <a:solidFill>
-                  <a:schemeClr val="bg1">
-                    <a:lumMod val="95000"/>
-                  </a:schemeClr>
-                </a:solidFill>
-              </a:rPr>
-              <a:t> в интервала [</a:t>
-            </a:r>
-            <a:r>
-              <a:rPr lang="ru-RU" sz="2000" dirty="0" smtClean="0">
-                <a:solidFill>
-                  <a:schemeClr val="bg1">
-                    <a:lumMod val="95000"/>
-                  </a:schemeClr>
-                </a:solidFill>
-              </a:rPr>
-              <a:t>1;3], </a:t>
-            </a:r>
-            <a:r>
-              <a:rPr lang="ru-RU" sz="2000" dirty="0" err="1" smtClean="0">
-                <a:solidFill>
-                  <a:schemeClr val="bg1">
-                    <a:lumMod val="95000"/>
-                  </a:schemeClr>
-                </a:solidFill>
-              </a:rPr>
-              <a:t>умножете</a:t>
-            </a:r>
-            <a:r>
-              <a:rPr lang="ru-RU" sz="2000" dirty="0" smtClean="0">
-                <a:solidFill>
-                  <a:schemeClr val="bg1">
-                    <a:lumMod val="95000"/>
-                  </a:schemeClr>
-                </a:solidFill>
-              </a:rPr>
-              <a:t> </a:t>
-            </a:r>
-            <a:r>
-              <a:rPr lang="ru-RU" sz="2000" dirty="0" err="1">
-                <a:solidFill>
-                  <a:schemeClr val="bg1">
-                    <a:lumMod val="95000"/>
-                  </a:schemeClr>
-                </a:solidFill>
-              </a:rPr>
-              <a:t>ги</a:t>
-            </a:r>
-            <a:r>
-              <a:rPr lang="ru-RU" sz="2000" dirty="0">
-                <a:solidFill>
-                  <a:schemeClr val="bg1">
-                    <a:lumMod val="95000"/>
-                  </a:schemeClr>
-                </a:solidFill>
-              </a:rPr>
-              <a:t> по 5. </a:t>
-            </a:r>
-            <a:r>
-              <a:rPr lang="ru-RU" sz="2000" dirty="0" err="1">
-                <a:solidFill>
-                  <a:schemeClr val="bg1">
-                    <a:lumMod val="95000"/>
-                  </a:schemeClr>
-                </a:solidFill>
-              </a:rPr>
-              <a:t>Ако</a:t>
-            </a:r>
-            <a:r>
-              <a:rPr lang="ru-RU" sz="2000" dirty="0">
-                <a:solidFill>
-                  <a:schemeClr val="bg1">
-                    <a:lumMod val="95000"/>
-                  </a:schemeClr>
-                </a:solidFill>
-              </a:rPr>
-              <a:t> </a:t>
-            </a:r>
-            <a:r>
-              <a:rPr lang="ru-RU" sz="2000" dirty="0" err="1">
-                <a:solidFill>
-                  <a:schemeClr val="bg1">
-                    <a:lumMod val="95000"/>
-                  </a:schemeClr>
-                </a:solidFill>
-              </a:rPr>
-              <a:t>точките</a:t>
-            </a:r>
-            <a:r>
-              <a:rPr lang="ru-RU" sz="2000" dirty="0">
-                <a:solidFill>
-                  <a:schemeClr val="bg1">
-                    <a:lumMod val="95000"/>
-                  </a:schemeClr>
-                </a:solidFill>
-              </a:rPr>
-              <a:t> </a:t>
-            </a:r>
-            <a:r>
-              <a:rPr lang="ru-RU" sz="2000" dirty="0" err="1">
-                <a:solidFill>
-                  <a:schemeClr val="bg1">
-                    <a:lumMod val="95000"/>
-                  </a:schemeClr>
-                </a:solidFill>
-              </a:rPr>
-              <a:t>са</a:t>
-            </a:r>
-            <a:r>
-              <a:rPr lang="ru-RU" sz="2000" dirty="0">
-                <a:solidFill>
-                  <a:schemeClr val="bg1">
-                    <a:lumMod val="95000"/>
-                  </a:schemeClr>
-                </a:solidFill>
-              </a:rPr>
-              <a:t> в интервала [</a:t>
-            </a:r>
-            <a:r>
-              <a:rPr lang="ru-RU" sz="2000" dirty="0" smtClean="0">
-                <a:solidFill>
-                  <a:schemeClr val="bg1">
-                    <a:lumMod val="95000"/>
-                  </a:schemeClr>
-                </a:solidFill>
-              </a:rPr>
-              <a:t>4;6], </a:t>
-            </a:r>
-            <a:r>
-              <a:rPr lang="ru-RU" sz="2000" dirty="0" err="1" smtClean="0">
-                <a:solidFill>
-                  <a:schemeClr val="bg1">
-                    <a:lumMod val="95000"/>
-                  </a:schemeClr>
-                </a:solidFill>
-              </a:rPr>
-              <a:t>умножете</a:t>
-            </a:r>
-            <a:r>
-              <a:rPr lang="ru-RU" sz="2000" dirty="0" smtClean="0">
-                <a:solidFill>
-                  <a:schemeClr val="bg1">
-                    <a:lumMod val="95000"/>
-                  </a:schemeClr>
-                </a:solidFill>
-              </a:rPr>
-              <a:t> </a:t>
-            </a:r>
-            <a:r>
-              <a:rPr lang="ru-RU" sz="2000" dirty="0" err="1">
-                <a:solidFill>
-                  <a:schemeClr val="bg1">
-                    <a:lumMod val="95000"/>
-                  </a:schemeClr>
-                </a:solidFill>
-              </a:rPr>
-              <a:t>ги</a:t>
-            </a:r>
-            <a:r>
-              <a:rPr lang="ru-RU" sz="2000" dirty="0">
-                <a:solidFill>
-                  <a:schemeClr val="bg1">
-                    <a:lumMod val="95000"/>
-                  </a:schemeClr>
-                </a:solidFill>
-              </a:rPr>
-              <a:t> по 10. </a:t>
-            </a:r>
-            <a:r>
-              <a:rPr lang="ru-RU" sz="2000" dirty="0" err="1">
-                <a:solidFill>
-                  <a:schemeClr val="bg1">
-                    <a:lumMod val="95000"/>
-                  </a:schemeClr>
-                </a:solidFill>
-              </a:rPr>
-              <a:t>Ако</a:t>
-            </a:r>
-            <a:r>
-              <a:rPr lang="ru-RU" sz="2000" dirty="0">
-                <a:solidFill>
-                  <a:schemeClr val="bg1">
-                    <a:lumMod val="95000"/>
-                  </a:schemeClr>
-                </a:solidFill>
-              </a:rPr>
-              <a:t> </a:t>
-            </a:r>
-            <a:r>
-              <a:rPr lang="ru-RU" sz="2000" dirty="0" err="1">
-                <a:solidFill>
-                  <a:schemeClr val="bg1">
-                    <a:lumMod val="95000"/>
-                  </a:schemeClr>
-                </a:solidFill>
-              </a:rPr>
-              <a:t>точките</a:t>
-            </a:r>
-            <a:r>
-              <a:rPr lang="ru-RU" sz="2000" dirty="0">
-                <a:solidFill>
-                  <a:schemeClr val="bg1">
-                    <a:lumMod val="95000"/>
-                  </a:schemeClr>
-                </a:solidFill>
-              </a:rPr>
-              <a:t> </a:t>
-            </a:r>
-            <a:r>
-              <a:rPr lang="ru-RU" sz="2000" dirty="0" err="1">
-                <a:solidFill>
-                  <a:schemeClr val="bg1">
-                    <a:lumMod val="95000"/>
-                  </a:schemeClr>
-                </a:solidFill>
-              </a:rPr>
-              <a:t>са</a:t>
-            </a:r>
-            <a:r>
-              <a:rPr lang="ru-RU" sz="2000" dirty="0">
-                <a:solidFill>
-                  <a:schemeClr val="bg1">
-                    <a:lumMod val="95000"/>
-                  </a:schemeClr>
-                </a:solidFill>
-              </a:rPr>
-              <a:t> в интервала [</a:t>
-            </a:r>
-            <a:r>
-              <a:rPr lang="ru-RU" sz="2000" dirty="0" smtClean="0">
-                <a:solidFill>
-                  <a:schemeClr val="bg1">
-                    <a:lumMod val="95000"/>
-                  </a:schemeClr>
-                </a:solidFill>
-              </a:rPr>
-              <a:t>7;9], </a:t>
-            </a:r>
-            <a:r>
-              <a:rPr lang="ru-RU" sz="2000" dirty="0" err="1" smtClean="0">
-                <a:solidFill>
-                  <a:schemeClr val="bg1">
-                    <a:lumMod val="95000"/>
-                  </a:schemeClr>
-                </a:solidFill>
-              </a:rPr>
-              <a:t>умножете</a:t>
-            </a:r>
-            <a:r>
-              <a:rPr lang="ru-RU" sz="2000" dirty="0" smtClean="0">
-                <a:solidFill>
-                  <a:schemeClr val="bg1">
-                    <a:lumMod val="95000"/>
-                  </a:schemeClr>
-                </a:solidFill>
-              </a:rPr>
-              <a:t> </a:t>
-            </a:r>
-            <a:r>
-              <a:rPr lang="ru-RU" sz="2000" dirty="0" err="1">
-                <a:solidFill>
-                  <a:schemeClr val="bg1">
-                    <a:lumMod val="95000"/>
-                  </a:schemeClr>
-                </a:solidFill>
-              </a:rPr>
-              <a:t>ги</a:t>
-            </a:r>
-            <a:r>
-              <a:rPr lang="ru-RU" sz="2000" dirty="0">
-                <a:solidFill>
-                  <a:schemeClr val="bg1">
-                    <a:lumMod val="95000"/>
-                  </a:schemeClr>
-                </a:solidFill>
-              </a:rPr>
-              <a:t> по 50. </a:t>
-            </a:r>
-            <a:r>
-              <a:rPr lang="ru-RU" sz="2000" dirty="0" err="1">
-                <a:solidFill>
-                  <a:schemeClr val="bg1">
-                    <a:lumMod val="95000"/>
-                  </a:schemeClr>
-                </a:solidFill>
-              </a:rPr>
-              <a:t>Резултатът</a:t>
-            </a:r>
-            <a:r>
-              <a:rPr lang="ru-RU" sz="2000" dirty="0">
-                <a:solidFill>
-                  <a:schemeClr val="bg1">
-                    <a:lumMod val="95000"/>
-                  </a:schemeClr>
-                </a:solidFill>
-              </a:rPr>
-              <a:t> изведете на </a:t>
-            </a:r>
-            <a:r>
-              <a:rPr lang="ru-RU" sz="2000" dirty="0" err="1">
-                <a:solidFill>
-                  <a:schemeClr val="bg1">
-                    <a:lumMod val="95000"/>
-                  </a:schemeClr>
-                </a:solidFill>
-              </a:rPr>
-              <a:t>екрана</a:t>
-            </a:r>
-            <a:r>
-              <a:rPr lang="ru-RU" sz="2000" dirty="0">
-                <a:solidFill>
-                  <a:schemeClr val="bg1">
-                    <a:lumMod val="95000"/>
-                  </a:schemeClr>
-                </a:solidFill>
-              </a:rPr>
               <a:t>.</a:t>
             </a:r>
           </a:p>
           <a:p>
-            <a:pPr>
-              <a:buFont typeface="Wingdings" panose="05000000000000000000" pitchFamily="2" charset="2"/>
-              <a:buChar char="§"/>
+            <a:pPr marL="0" indent="0">
+              <a:buNone/>
             </a:pPr>
             <a:endParaRPr lang="bg-BG" sz="2000" dirty="0" smtClean="0">
               <a:solidFill>
@@ -7971,11 +8024,50 @@
           </a:bodyPr>
           <a:lstStyle/>
           <a:p>
-            <a:pPr marL="457200" indent="-457200">
-              <a:buFont typeface="+mj-lt"/>
-              <a:buAutoNum type="arabicParenR" startAt="7"/>
+            <a:pPr marL="0" indent="0">
+              <a:buNone/>
             </a:pPr>
             <a:r>
+              <a:rPr lang="en-US" sz="2000" dirty="0" smtClean="0">
+                <a:solidFill>
+                  <a:schemeClr val="bg1">
+                    <a:lumMod val="95000"/>
+                  </a:schemeClr>
+                </a:solidFill>
+              </a:rPr>
+              <a:t>3.1.7) </a:t>
+            </a:r>
+            <a:r>
+              <a:rPr lang="ru-RU" sz="2000" dirty="0" err="1" smtClean="0">
+                <a:solidFill>
+                  <a:schemeClr val="bg1">
+                    <a:lumMod val="95000"/>
+                  </a:schemeClr>
+                </a:solidFill>
+              </a:rPr>
+              <a:t>Класическото</a:t>
+            </a:r>
+            <a:r>
+              <a:rPr lang="ru-RU" sz="2000" dirty="0" smtClean="0">
+                <a:solidFill>
+                  <a:schemeClr val="bg1">
+                    <a:lumMod val="95000"/>
+                  </a:schemeClr>
+                </a:solidFill>
+              </a:rPr>
+              <a:t> </a:t>
+            </a:r>
+            <a:r>
+              <a:rPr lang="ru-RU" sz="2000" dirty="0">
+                <a:solidFill>
+                  <a:schemeClr val="bg1">
+                    <a:lumMod val="95000"/>
+                  </a:schemeClr>
+                </a:solidFill>
+              </a:rPr>
+              <a:t>тесте </a:t>
+            </a:r>
+            <a:r>
               <a:rPr lang="ru-RU" sz="2000" dirty="0" err="1">
                 <a:solidFill>
                   <a:schemeClr val="bg1">
@@ -7983,7 +8075,7 @@
                   </a:schemeClr>
                 </a:solidFill>
               </a:rPr>
-              <a:t>Класическото</a:t>
+              <a:t>карти</a:t>
             </a:r>
             <a:r>
               <a:rPr lang="ru-RU" sz="2000" dirty="0">
@@ -7993,7 +8085,7 @@
                   </a:schemeClr>
                 </a:solidFill>
               </a:rPr>
-              <a:t> тесте </a:t>
+              <a:t> се </a:t>
             </a:r>
             <a:r>
               <a:rPr lang="ru-RU" sz="2000" dirty="0" err="1">
@@ -8003,6 +8095,46 @@
                   </a:schemeClr>
                 </a:solidFill>
               </a:rPr>
+              <a:t>състои</a:t>
+            </a:r>
+            <a:r>
+              <a:rPr lang="ru-RU" sz="2000" dirty="0">
+                <a:solidFill>
+                  <a:schemeClr val="bg1">
+                    <a:lumMod val="95000"/>
+                  </a:schemeClr>
+                </a:solidFill>
+              </a:rPr>
+              <a:t> от 13 </a:t>
+            </a:r>
+            <a:r>
+              <a:rPr lang="ru-RU" sz="2000" dirty="0" err="1">
+                <a:solidFill>
+                  <a:schemeClr val="bg1">
+                    <a:lumMod val="95000"/>
+                  </a:schemeClr>
+                </a:solidFill>
+              </a:rPr>
+              <a:t>различни</a:t>
+            </a:r>
+            <a:r>
+              <a:rPr lang="ru-RU" sz="2000" dirty="0">
+                <a:solidFill>
+                  <a:schemeClr val="bg1">
+                    <a:lumMod val="95000"/>
+                  </a:schemeClr>
+                </a:solidFill>
+              </a:rPr>
+              <a:t> вида </a:t>
+            </a:r>
+            <a:r>
+              <a:rPr lang="ru-RU" sz="2000" dirty="0" err="1">
+                <a:solidFill>
+                  <a:schemeClr val="bg1">
+                    <a:lumMod val="95000"/>
+                  </a:schemeClr>
+                </a:solidFill>
+              </a:rPr>
               <a:t>карти</a:t>
             </a:r>
             <a:r>
@@ -8013,7 +8145,7 @@
                   </a:schemeClr>
                 </a:solidFill>
               </a:rPr>
-              <a:t> се </a:t>
+              <a:t> </a:t>
             </a:r>
             <a:r>
               <a:rPr lang="ru-RU" sz="2000" dirty="0" err="1">
@@ -8023,7 +8155,7 @@
                   </a:schemeClr>
                 </a:solidFill>
               </a:rPr>
-              <a:t>състои</a:t>
+              <a:t>съответно</a:t>
             </a:r>
             <a:r>
               <a:rPr lang="ru-RU" sz="2000" dirty="0">
@@ -8033,7 +8165,7 @@
                   </a:schemeClr>
                 </a:solidFill>
               </a:rPr>
-              <a:t> от 13 </a:t>
+              <a:t> 2, 3, 4, 5, 6, 7, 8, 9, 10, J, Q, K </a:t>
             </a:r>
             <a:r>
               <a:rPr lang="ru-RU" sz="2000" dirty="0" err="1">
@@ -8043,7 +8175,7 @@
                   </a:schemeClr>
                 </a:solidFill>
               </a:rPr>
-              <a:t>различни</a:t>
+              <a:t>and</a:t>
             </a:r>
             <a:r>
               <a:rPr lang="ru-RU" sz="2000" dirty="0">
@@ -8053,7 +8185,7 @@
                   </a:schemeClr>
                 </a:solidFill>
               </a:rPr>
-              <a:t> вида </a:t>
+              <a:t> A. </a:t>
             </a:r>
             <a:r>
               <a:rPr lang="ru-RU" sz="2000" dirty="0" err="1">
@@ -8063,7 +8195,7 @@
                   </a:schemeClr>
                 </a:solidFill>
               </a:rPr>
-              <a:t>карти</a:t>
+              <a:t>Направете</a:t>
             </a:r>
             <a:r>
               <a:rPr lang="ru-RU" sz="2000" dirty="0">
@@ -8083,6 +8215,146 @@
                   </a:schemeClr>
                 </a:solidFill>
               </a:rPr>
+              <a:t>програма</a:t>
+            </a:r>
+            <a:r>
+              <a:rPr lang="ru-RU" sz="2000" dirty="0">
+                <a:solidFill>
+                  <a:schemeClr val="bg1">
+                    <a:lumMod val="95000"/>
+                  </a:schemeClr>
+                </a:solidFill>
+              </a:rPr>
+              <a:t> </a:t>
+            </a:r>
+            <a:r>
+              <a:rPr lang="ru-RU" sz="2000" dirty="0" err="1">
+                <a:solidFill>
+                  <a:schemeClr val="bg1">
+                    <a:lumMod val="95000"/>
+                  </a:schemeClr>
+                </a:solidFill>
+              </a:rPr>
+              <a:t>която</a:t>
+            </a:r>
+            <a:r>
+              <a:rPr lang="ru-RU" sz="2000" dirty="0">
+                <a:solidFill>
+                  <a:schemeClr val="bg1">
+                    <a:lumMod val="95000"/>
+                  </a:schemeClr>
+                </a:solidFill>
+              </a:rPr>
+              <a:t> приема от </a:t>
+            </a:r>
+            <a:r>
+              <a:rPr lang="ru-RU" sz="2000" dirty="0" err="1">
+                <a:solidFill>
+                  <a:schemeClr val="bg1">
+                    <a:lumMod val="95000"/>
+                  </a:schemeClr>
+                </a:solidFill>
+              </a:rPr>
+              <a:t>конзолата</a:t>
+            </a:r>
+            <a:r>
+              <a:rPr lang="ru-RU" sz="2000" dirty="0">
+                <a:solidFill>
+                  <a:schemeClr val="bg1">
+                    <a:lumMod val="95000"/>
+                  </a:schemeClr>
+                </a:solidFill>
+              </a:rPr>
+              <a:t> 1 символ и </a:t>
+            </a:r>
+            <a:r>
+              <a:rPr lang="ru-RU" sz="2000" dirty="0" err="1">
+                <a:solidFill>
+                  <a:schemeClr val="bg1">
+                    <a:lumMod val="95000"/>
+                  </a:schemeClr>
+                </a:solidFill>
+              </a:rPr>
+              <a:t>принтира</a:t>
+            </a:r>
+            <a:r>
+              <a:rPr lang="ru-RU" sz="2000" dirty="0">
+                <a:solidFill>
+                  <a:schemeClr val="bg1">
+                    <a:lumMod val="95000"/>
+                  </a:schemeClr>
+                </a:solidFill>
+              </a:rPr>
+              <a:t> "Валидна карта" </a:t>
+            </a:r>
+            <a:r>
+              <a:rPr lang="ru-RU" sz="2000" dirty="0" err="1">
+                <a:solidFill>
+                  <a:schemeClr val="bg1">
+                    <a:lumMod val="95000"/>
+                  </a:schemeClr>
+                </a:solidFill>
+              </a:rPr>
+              <a:t>ако</a:t>
+            </a:r>
+            <a:r>
+              <a:rPr lang="ru-RU" sz="2000" dirty="0">
+                <a:solidFill>
+                  <a:schemeClr val="bg1">
+                    <a:lumMod val="95000"/>
+                  </a:schemeClr>
+                </a:solidFill>
+              </a:rPr>
+              <a:t> </a:t>
+            </a:r>
+            <a:r>
+              <a:rPr lang="ru-RU" sz="2000" dirty="0" err="1">
+                <a:solidFill>
+                  <a:schemeClr val="bg1">
+                    <a:lumMod val="95000"/>
+                  </a:schemeClr>
+                </a:solidFill>
+              </a:rPr>
+              <a:t>символът</a:t>
+            </a:r>
+            <a:r>
+              <a:rPr lang="ru-RU" sz="2000" dirty="0">
+                <a:solidFill>
+                  <a:schemeClr val="bg1">
+                    <a:lumMod val="95000"/>
+                  </a:schemeClr>
+                </a:solidFill>
+              </a:rPr>
+              <a:t> </a:t>
+            </a:r>
+            <a:r>
+              <a:rPr lang="ru-RU" sz="2000" dirty="0" err="1">
+                <a:solidFill>
+                  <a:schemeClr val="bg1">
+                    <a:lumMod val="95000"/>
+                  </a:schemeClr>
+                </a:solidFill>
+              </a:rPr>
+              <a:t>представлява</a:t>
+            </a:r>
+            <a:r>
+              <a:rPr lang="ru-RU" sz="2000" dirty="0">
+                <a:solidFill>
+                  <a:schemeClr val="bg1">
+                    <a:lumMod val="95000"/>
+                  </a:schemeClr>
+                </a:solidFill>
+              </a:rPr>
+              <a:t> валидна карта и </a:t>
+            </a:r>
+            <a:r>
+              <a:rPr lang="ru-RU" sz="2000" dirty="0" err="1">
+                <a:solidFill>
+                  <a:schemeClr val="bg1">
+                    <a:lumMod val="95000"/>
+                  </a:schemeClr>
+                </a:solidFill>
+              </a:rPr>
               <a:t>съответно</a:t>
             </a:r>
             <a:r>
@@ -8093,7 +8365,7 @@
                   </a:schemeClr>
                 </a:solidFill>
               </a:rPr>
-              <a:t> 2, 3, 4, 5, 6, 7, 8, 9, 10, J, Q, K </a:t>
+              <a:t> "</a:t>
             </a:r>
             <a:r>
               <a:rPr lang="ru-RU" sz="2000" dirty="0" err="1">
@@ -8103,7 +8375,7 @@
                   </a:schemeClr>
                 </a:solidFill>
               </a:rPr>
-              <a:t>and</a:t>
+              <a:t>Невалидна</a:t>
             </a:r>
             <a:r>
               <a:rPr lang="ru-RU" sz="2000" dirty="0">
@@ -8113,7 +8385,7 @@
                   </a:schemeClr>
                 </a:solidFill>
               </a:rPr>
-              <a:t> A. </a:t>
+              <a:t> карта" </a:t>
             </a:r>
             <a:r>
               <a:rPr lang="ru-RU" sz="2000" dirty="0" err="1">
@@ -8123,7 +8395,7 @@
                   </a:schemeClr>
                 </a:solidFill>
               </a:rPr>
-              <a:t>Направете</a:t>
+              <a:t>ако</a:t>
             </a:r>
             <a:r>
               <a:rPr lang="ru-RU" sz="2000" dirty="0">
@@ -8143,6 +8415,71 @@
                   </a:schemeClr>
                 </a:solidFill>
               </a:rPr>
+              <a:t>символът</a:t>
+            </a:r>
+            <a:r>
+              <a:rPr lang="ru-RU" sz="2000" dirty="0">
+                <a:solidFill>
+                  <a:schemeClr val="bg1">
+                    <a:lumMod val="95000"/>
+                  </a:schemeClr>
+                </a:solidFill>
+              </a:rPr>
+              <a:t> не </a:t>
+            </a:r>
+            <a:r>
+              <a:rPr lang="ru-RU" sz="2000" dirty="0" err="1">
+                <a:solidFill>
+                  <a:schemeClr val="bg1">
+                    <a:lumMod val="95000"/>
+                  </a:schemeClr>
+                </a:solidFill>
+              </a:rPr>
+              <a:t>представлява</a:t>
+            </a:r>
+            <a:r>
+              <a:rPr lang="ru-RU" sz="2000" dirty="0">
+                <a:solidFill>
+                  <a:schemeClr val="bg1">
+                    <a:lumMod val="95000"/>
+                  </a:schemeClr>
+                </a:solidFill>
+              </a:rPr>
+              <a:t> валидна карта. </a:t>
+            </a:r>
+          </a:p>
+          <a:p>
+            <a:pPr marL="0" indent="0">
+              <a:buNone/>
+            </a:pPr>
+            <a:r>
+              <a:rPr lang="en-US" sz="2000" dirty="0" smtClean="0">
+                <a:solidFill>
+                  <a:schemeClr val="bg1">
+                    <a:lumMod val="95000"/>
+                  </a:schemeClr>
+                </a:solidFill>
+              </a:rPr>
+              <a:t>3.1.8) </a:t>
+            </a:r>
+            <a:r>
+              <a:rPr lang="ru-RU" sz="2000" dirty="0" smtClean="0">
+                <a:solidFill>
+                  <a:schemeClr val="bg1">
+                    <a:lumMod val="95000"/>
+                  </a:schemeClr>
+                </a:solidFill>
+              </a:rPr>
+              <a:t>Напишете </a:t>
+            </a:r>
+            <a:r>
+              <a:rPr lang="ru-RU" sz="2000" dirty="0" err="1">
+                <a:solidFill>
+                  <a:schemeClr val="bg1">
+                    <a:lumMod val="95000"/>
+                  </a:schemeClr>
+                </a:solidFill>
+              </a:rPr>
               <a:t>програма</a:t>
             </a:r>
             <a:r>
@@ -8153,6 +8490,106 @@
                   </a:schemeClr>
                 </a:solidFill>
               </a:rPr>
+              <a:t>, </a:t>
+            </a:r>
+            <a:r>
+              <a:rPr lang="ru-RU" sz="2000" dirty="0" err="1">
+                <a:solidFill>
+                  <a:schemeClr val="bg1">
+                    <a:lumMod val="95000"/>
+                  </a:schemeClr>
+                </a:solidFill>
+              </a:rPr>
+              <a:t>която</a:t>
+            </a:r>
+            <a:r>
+              <a:rPr lang="ru-RU" sz="2000" dirty="0">
+                <a:solidFill>
+                  <a:schemeClr val="bg1">
+                    <a:lumMod val="95000"/>
+                  </a:schemeClr>
+                </a:solidFill>
+              </a:rPr>
+              <a:t> при </a:t>
+            </a:r>
+            <a:r>
+              <a:rPr lang="ru-RU" sz="2000" dirty="0" err="1">
+                <a:solidFill>
+                  <a:schemeClr val="bg1">
+                    <a:lumMod val="95000"/>
+                  </a:schemeClr>
+                </a:solidFill>
+              </a:rPr>
+              <a:t>въвеждането</a:t>
+            </a:r>
+            <a:r>
+              <a:rPr lang="ru-RU" sz="2000" dirty="0">
+                <a:solidFill>
+                  <a:schemeClr val="bg1">
+                    <a:lumMod val="95000"/>
+                  </a:schemeClr>
+                </a:solidFill>
+              </a:rPr>
+              <a:t> на </a:t>
+            </a:r>
+            <a:r>
+              <a:rPr lang="ru-RU" sz="2000" dirty="0" err="1">
+                <a:solidFill>
+                  <a:schemeClr val="bg1">
+                    <a:lumMod val="95000"/>
+                  </a:schemeClr>
+                </a:solidFill>
+              </a:rPr>
+              <a:t>куефициентите</a:t>
+            </a:r>
+            <a:r>
+              <a:rPr lang="ru-RU" sz="2000" dirty="0">
+                <a:solidFill>
+                  <a:schemeClr val="bg1">
+                    <a:lumMod val="95000"/>
+                  </a:schemeClr>
+                </a:solidFill>
+              </a:rPr>
+              <a:t> a, b и c на </a:t>
+            </a:r>
+            <a:r>
+              <a:rPr lang="ru-RU" sz="2000" dirty="0" err="1">
+                <a:solidFill>
+                  <a:schemeClr val="bg1">
+                    <a:lumMod val="95000"/>
+                  </a:schemeClr>
+                </a:solidFill>
+              </a:rPr>
+              <a:t>квардратно</a:t>
+            </a:r>
+            <a:r>
+              <a:rPr lang="ru-RU" sz="2000" dirty="0">
+                <a:solidFill>
+                  <a:schemeClr val="bg1">
+                    <a:lumMod val="95000"/>
+                  </a:schemeClr>
+                </a:solidFill>
+              </a:rPr>
+              <a:t> уравнение ax2+bc+c и </a:t>
+            </a:r>
+            <a:r>
+              <a:rPr lang="ru-RU" sz="2000" dirty="0" err="1">
+                <a:solidFill>
+                  <a:schemeClr val="bg1">
+                    <a:lumMod val="95000"/>
+                  </a:schemeClr>
+                </a:solidFill>
+              </a:rPr>
+              <a:t>изчислява</a:t>
+            </a:r>
+            <a:r>
+              <a:rPr lang="ru-RU" sz="2000" dirty="0">
+                <a:solidFill>
+                  <a:schemeClr val="bg1">
+                    <a:lumMod val="95000"/>
+                  </a:schemeClr>
+                </a:solidFill>
+              </a:rPr>
               <a:t> </a:t>
             </a:r>
             <a:r>
@@ -8163,6 +8600,111 @@
                   </a:schemeClr>
                 </a:solidFill>
               </a:rPr>
+              <a:t>неговите</a:t>
+            </a:r>
+            <a:r>
+              <a:rPr lang="ru-RU" sz="2000" dirty="0">
+                <a:solidFill>
+                  <a:schemeClr val="bg1">
+                    <a:lumMod val="95000"/>
+                  </a:schemeClr>
+                </a:solidFill>
+              </a:rPr>
+              <a:t> </a:t>
+            </a:r>
+            <a:r>
+              <a:rPr lang="ru-RU" sz="2000" dirty="0" err="1">
+                <a:solidFill>
+                  <a:schemeClr val="bg1">
+                    <a:lumMod val="95000"/>
+                  </a:schemeClr>
+                </a:solidFill>
+              </a:rPr>
+              <a:t>реални</a:t>
+            </a:r>
+            <a:r>
+              <a:rPr lang="ru-RU" sz="2000" dirty="0">
+                <a:solidFill>
+                  <a:schemeClr val="bg1">
+                    <a:lumMod val="95000"/>
+                  </a:schemeClr>
+                </a:solidFill>
+              </a:rPr>
+              <a:t> </a:t>
+            </a:r>
+            <a:r>
+              <a:rPr lang="ru-RU" sz="2000" dirty="0" err="1">
+                <a:solidFill>
+                  <a:schemeClr val="bg1">
+                    <a:lumMod val="95000"/>
+                  </a:schemeClr>
+                </a:solidFill>
+              </a:rPr>
+              <a:t>корени</a:t>
+            </a:r>
+            <a:r>
+              <a:rPr lang="ru-RU" sz="2000" dirty="0">
+                <a:solidFill>
+                  <a:schemeClr val="bg1">
+                    <a:lumMod val="95000"/>
+                  </a:schemeClr>
+                </a:solidFill>
+              </a:rPr>
+              <a:t>.</a:t>
+            </a:r>
+          </a:p>
+          <a:p>
+            <a:pPr marL="0" indent="0">
+              <a:buNone/>
+            </a:pPr>
+            <a:r>
+              <a:rPr lang="en-US" sz="2000" dirty="0" smtClean="0">
+                <a:solidFill>
+                  <a:schemeClr val="bg1">
+                    <a:lumMod val="95000"/>
+                  </a:schemeClr>
+                </a:solidFill>
+              </a:rPr>
+              <a:t>3.1.9) </a:t>
+            </a:r>
+            <a:r>
+              <a:rPr lang="ru-RU" sz="2000" dirty="0" smtClean="0">
+                <a:solidFill>
+                  <a:schemeClr val="bg1">
+                    <a:lumMod val="95000"/>
+                  </a:schemeClr>
+                </a:solidFill>
+              </a:rPr>
+              <a:t>Напишете </a:t>
+            </a:r>
+            <a:r>
+              <a:rPr lang="ru-RU" sz="2000" dirty="0" err="1">
+                <a:solidFill>
+                  <a:schemeClr val="bg1">
+                    <a:lumMod val="95000"/>
+                  </a:schemeClr>
+                </a:solidFill>
+              </a:rPr>
+              <a:t>програма</a:t>
+            </a:r>
+            <a:r>
+              <a:rPr lang="ru-RU" sz="2000" dirty="0">
+                <a:solidFill>
+                  <a:schemeClr val="bg1">
+                    <a:lumMod val="95000"/>
+                  </a:schemeClr>
+                </a:solidFill>
+              </a:rPr>
+              <a:t>, </a:t>
+            </a:r>
+            <a:r>
+              <a:rPr lang="ru-RU" sz="2000" dirty="0" err="1">
+                <a:solidFill>
+                  <a:schemeClr val="bg1">
+                    <a:lumMod val="95000"/>
+                  </a:schemeClr>
+                </a:solidFill>
+              </a:rPr>
               <a:t>която</a:t>
             </a:r>
             <a:r>
@@ -8173,7 +8715,7 @@
                   </a:schemeClr>
                 </a:solidFill>
               </a:rPr>
-              <a:t> приема от </a:t>
+              <a:t> </a:t>
             </a:r>
             <a:r>
               <a:rPr lang="ru-RU" sz="2000" dirty="0" err="1">
@@ -8183,7 +8725,7 @@
                   </a:schemeClr>
                 </a:solidFill>
               </a:rPr>
-              <a:t>конзолата</a:t>
+              <a:t>намира</a:t>
             </a:r>
             <a:r>
               <a:rPr lang="ru-RU" sz="2000" dirty="0">
@@ -8193,7 +8735,7 @@
                   </a:schemeClr>
                 </a:solidFill>
               </a:rPr>
-              <a:t> 1 символ и </a:t>
+              <a:t> </a:t>
             </a:r>
             <a:r>
               <a:rPr lang="ru-RU" sz="2000" dirty="0" err="1">
@@ -8203,7 +8745,7 @@
                   </a:schemeClr>
                 </a:solidFill>
               </a:rPr>
-              <a:t>принтира</a:t>
+              <a:t>най-голямото</a:t>
             </a:r>
             <a:r>
               <a:rPr lang="ru-RU" sz="2000" dirty="0">
@@ -8213,7 +8755,7 @@
                   </a:schemeClr>
                 </a:solidFill>
               </a:rPr>
-              <a:t> "Валидна карта" </a:t>
+              <a:t> от пет </a:t>
             </a:r>
             <a:r>
               <a:rPr lang="ru-RU" sz="2000" dirty="0" err="1">
@@ -8223,7 +8765,7 @@
                   </a:schemeClr>
                 </a:solidFill>
               </a:rPr>
-              <a:t>ако</a:t>
+              <a:t>дадени</a:t>
             </a:r>
             <a:r>
               <a:rPr lang="ru-RU" sz="2000" dirty="0">
@@ -8233,468 +8775,25 @@
                   </a:schemeClr>
                 </a:solidFill>
               </a:rPr>
-              <a:t> </a:t>
-            </a:r>
-            <a:r>
-              <a:rPr lang="ru-RU" sz="2000" dirty="0" err="1">
-                <a:solidFill>
-                  <a:schemeClr val="bg1">
-                    <a:lumMod val="95000"/>
-                  </a:schemeClr>
-                </a:solidFill>
-              </a:rPr>
-              <a:t>символът</a:t>
-            </a:r>
-            <a:r>
-              <a:rPr lang="ru-RU" sz="2000" dirty="0">
-                <a:solidFill>
-                  <a:schemeClr val="bg1">
-                    <a:lumMod val="95000"/>
-                  </a:schemeClr>
-                </a:solidFill>
-              </a:rPr>
-              <a:t> </a:t>
-            </a:r>
-            <a:r>
-              <a:rPr lang="ru-RU" sz="2000" dirty="0" err="1">
-                <a:solidFill>
-                  <a:schemeClr val="bg1">
-                    <a:lumMod val="95000"/>
-                  </a:schemeClr>
-                </a:solidFill>
-              </a:rPr>
-              <a:t>представлява</a:t>
-            </a:r>
-            <a:r>
-              <a:rPr lang="ru-RU" sz="2000" dirty="0">
-                <a:solidFill>
-                  <a:schemeClr val="bg1">
-                    <a:lumMod val="95000"/>
-                  </a:schemeClr>
-                </a:solidFill>
-              </a:rPr>
-              <a:t> валидна карта и </a:t>
-            </a:r>
-            <a:r>
-              <a:rPr lang="ru-RU" sz="2000" dirty="0" err="1">
-                <a:solidFill>
-                  <a:schemeClr val="bg1">
-                    <a:lumMod val="95000"/>
-                  </a:schemeClr>
-                </a:solidFill>
-              </a:rPr>
-              <a:t>съответно</a:t>
-            </a:r>
-            <a:r>
-              <a:rPr lang="ru-RU" sz="2000" dirty="0">
-                <a:solidFill>
-                  <a:schemeClr val="bg1">
-                    <a:lumMod val="95000"/>
-                  </a:schemeClr>
-                </a:solidFill>
-              </a:rPr>
-              <a:t> "</a:t>
-            </a:r>
-            <a:r>
-              <a:rPr lang="ru-RU" sz="2000" dirty="0" err="1">
-                <a:solidFill>
-                  <a:schemeClr val="bg1">
-                    <a:lumMod val="95000"/>
-                  </a:schemeClr>
-                </a:solidFill>
-              </a:rPr>
-              <a:t>Невалидна</a:t>
-            </a:r>
-            <a:r>
-              <a:rPr lang="ru-RU" sz="2000" dirty="0">
-                <a:solidFill>
-                  <a:schemeClr val="bg1">
-                    <a:lumMod val="95000"/>
-                  </a:schemeClr>
-                </a:solidFill>
-              </a:rPr>
-              <a:t> карта" </a:t>
-            </a:r>
-            <a:r>
-              <a:rPr lang="ru-RU" sz="2000" dirty="0" err="1">
-                <a:solidFill>
-                  <a:schemeClr val="bg1">
-                    <a:lumMod val="95000"/>
-                  </a:schemeClr>
-                </a:solidFill>
-              </a:rPr>
-              <a:t>ако</a:t>
-            </a:r>
-            <a:r>
-              <a:rPr lang="ru-RU" sz="2000" dirty="0">
-                <a:solidFill>
-                  <a:schemeClr val="bg1">
-                    <a:lumMod val="95000"/>
-                  </a:schemeClr>
-                </a:solidFill>
-              </a:rPr>
-              <a:t> </a:t>
-            </a:r>
-            <a:r>
-              <a:rPr lang="ru-RU" sz="2000" dirty="0" err="1">
-                <a:solidFill>
-                  <a:schemeClr val="bg1">
-                    <a:lumMod val="95000"/>
-                  </a:schemeClr>
-                </a:solidFill>
-              </a:rPr>
-              <a:t>символът</a:t>
-            </a:r>
-            <a:r>
-              <a:rPr lang="ru-RU" sz="2000" dirty="0">
-                <a:solidFill>
-                  <a:schemeClr val="bg1">
-                    <a:lumMod val="95000"/>
-                  </a:schemeClr>
-                </a:solidFill>
-              </a:rPr>
-              <a:t> не </a:t>
-            </a:r>
-            <a:r>
-              <a:rPr lang="ru-RU" sz="2000" dirty="0" err="1">
-                <a:solidFill>
-                  <a:schemeClr val="bg1">
-                    <a:lumMod val="95000"/>
-                  </a:schemeClr>
-                </a:solidFill>
-              </a:rPr>
-              <a:t>представлява</a:t>
-            </a:r>
-            <a:r>
-              <a:rPr lang="ru-RU" sz="2000" dirty="0">
-                <a:solidFill>
-                  <a:schemeClr val="bg1">
-                    <a:lumMod val="95000"/>
-                  </a:schemeClr>
-                </a:solidFill>
-              </a:rPr>
-              <a:t> валидна карта. </a:t>
-            </a:r>
-          </a:p>
-          <a:p>
-            <a:pPr marL="457200" indent="-457200">
-              <a:buFont typeface="+mj-lt"/>
-              <a:buAutoNum type="arabicParenR" startAt="7"/>
+              <a:t> числа.</a:t>
+            </a:r>
+          </a:p>
+          <a:p>
+            <a:pPr marL="0" indent="0">
+              <a:buNone/>
             </a:pPr>
             <a:r>
-              <a:rPr lang="ru-RU" sz="2000" dirty="0">
-                <a:solidFill>
-                  <a:schemeClr val="bg1">
-                    <a:lumMod val="95000"/>
-                  </a:schemeClr>
-                </a:solidFill>
-              </a:rPr>
-              <a:t>Напишете </a:t>
-            </a:r>
-            <a:r>
-              <a:rPr lang="ru-RU" sz="2000" dirty="0" err="1">
-                <a:solidFill>
-                  <a:schemeClr val="bg1">
-                    <a:lumMod val="95000"/>
-                  </a:schemeClr>
-                </a:solidFill>
-              </a:rPr>
-              <a:t>програма</a:t>
-            </a:r>
-            <a:r>
-              <a:rPr lang="ru-RU" sz="2000" dirty="0">
-                <a:solidFill>
-                  <a:schemeClr val="bg1">
-                    <a:lumMod val="95000"/>
-                  </a:schemeClr>
-                </a:solidFill>
-              </a:rPr>
-              <a:t>, </a:t>
-            </a:r>
-            <a:r>
-              <a:rPr lang="ru-RU" sz="2000" dirty="0" err="1">
-                <a:solidFill>
-                  <a:schemeClr val="bg1">
-                    <a:lumMod val="95000"/>
-                  </a:schemeClr>
-                </a:solidFill>
-              </a:rPr>
-              <a:t>която</a:t>
-            </a:r>
-            <a:r>
-              <a:rPr lang="ru-RU" sz="2000" dirty="0">
-                <a:solidFill>
-                  <a:schemeClr val="bg1">
-                    <a:lumMod val="95000"/>
-                  </a:schemeClr>
-                </a:solidFill>
-              </a:rPr>
-              <a:t> при </a:t>
-            </a:r>
-            <a:r>
-              <a:rPr lang="ru-RU" sz="2000" dirty="0" err="1">
-                <a:solidFill>
-                  <a:schemeClr val="bg1">
-                    <a:lumMod val="95000"/>
-                  </a:schemeClr>
-                </a:solidFill>
-              </a:rPr>
-              <a:t>въвеждането</a:t>
-            </a:r>
-            <a:r>
-              <a:rPr lang="ru-RU" sz="2000" dirty="0">
-                <a:solidFill>
-                  <a:schemeClr val="bg1">
-                    <a:lumMod val="95000"/>
-                  </a:schemeClr>
-                </a:solidFill>
-              </a:rPr>
-              <a:t> на </a:t>
-            </a:r>
-            <a:r>
-              <a:rPr lang="ru-RU" sz="2000" dirty="0" err="1">
-                <a:solidFill>
-                  <a:schemeClr val="bg1">
-                    <a:lumMod val="95000"/>
-                  </a:schemeClr>
-                </a:solidFill>
-              </a:rPr>
-              <a:t>куефициентите</a:t>
-            </a:r>
-            <a:r>
-              <a:rPr lang="ru-RU" sz="2000" dirty="0">
-                <a:solidFill>
-                  <a:schemeClr val="bg1">
-                    <a:lumMod val="95000"/>
-                  </a:schemeClr>
-                </a:solidFill>
-              </a:rPr>
-              <a:t> a, b и c на </a:t>
-            </a:r>
-            <a:r>
-              <a:rPr lang="ru-RU" sz="2000" dirty="0" err="1">
-                <a:solidFill>
-                  <a:schemeClr val="bg1">
-                    <a:lumMod val="95000"/>
-                  </a:schemeClr>
-                </a:solidFill>
-              </a:rPr>
-              <a:t>квардратно</a:t>
-            </a:r>
-            <a:r>
-              <a:rPr lang="ru-RU" sz="2000" dirty="0">
-                <a:solidFill>
-                  <a:schemeClr val="bg1">
-                    <a:lumMod val="95000"/>
-                  </a:schemeClr>
-                </a:solidFill>
-              </a:rPr>
-              <a:t> уравнение ax2+bc+c и </a:t>
-            </a:r>
-            <a:r>
-              <a:rPr lang="ru-RU" sz="2000" dirty="0" err="1">
-                <a:solidFill>
-                  <a:schemeClr val="bg1">
-                    <a:lumMod val="95000"/>
-                  </a:schemeClr>
-                </a:solidFill>
-              </a:rPr>
-              <a:t>изчислява</a:t>
-            </a:r>
-            <a:r>
-              <a:rPr lang="ru-RU" sz="2000" dirty="0">
-                <a:solidFill>
-                  <a:schemeClr val="bg1">
-                    <a:lumMod val="95000"/>
-                  </a:schemeClr>
-                </a:solidFill>
-              </a:rPr>
-              <a:t> </a:t>
-            </a:r>
-            <a:r>
-              <a:rPr lang="ru-RU" sz="2000" dirty="0" err="1">
-                <a:solidFill>
-                  <a:schemeClr val="bg1">
-                    <a:lumMod val="95000"/>
-                  </a:schemeClr>
-                </a:solidFill>
-              </a:rPr>
-              <a:t>неговите</a:t>
-            </a:r>
-            <a:r>
-              <a:rPr lang="ru-RU" sz="2000" dirty="0">
-                <a:solidFill>
-                  <a:schemeClr val="bg1">
-                    <a:lumMod val="95000"/>
-                  </a:schemeClr>
-                </a:solidFill>
-              </a:rPr>
-              <a:t> </a:t>
-            </a:r>
-            <a:r>
-              <a:rPr lang="ru-RU" sz="2000" dirty="0" err="1">
-                <a:solidFill>
-                  <a:schemeClr val="bg1">
-                    <a:lumMod val="95000"/>
-                  </a:schemeClr>
-                </a:solidFill>
-              </a:rPr>
-              <a:t>реални</a:t>
-            </a:r>
-            <a:r>
-              <a:rPr lang="ru-RU" sz="2000" dirty="0">
-                <a:solidFill>
-                  <a:schemeClr val="bg1">
-                    <a:lumMod val="95000"/>
-                  </a:schemeClr>
-                </a:solidFill>
-              </a:rPr>
-              <a:t> </a:t>
-            </a:r>
-            <a:r>
-              <a:rPr lang="ru-RU" sz="2000" dirty="0" err="1">
-                <a:solidFill>
-                  <a:schemeClr val="bg1">
-                    <a:lumMod val="95000"/>
-                  </a:schemeClr>
-                </a:solidFill>
-              </a:rPr>
-              <a:t>корени</a:t>
-            </a:r>
-            <a:r>
-              <a:rPr lang="ru-RU" sz="2000" dirty="0">
-                <a:solidFill>
-                  <a:schemeClr val="bg1">
-                    <a:lumMod val="95000"/>
-                  </a:schemeClr>
-                </a:solidFill>
-              </a:rPr>
-              <a:t>.</a:t>
-            </a:r>
-          </a:p>
-          <a:p>
-            <a:pPr marL="457200" indent="-457200">
-              <a:buFont typeface="+mj-lt"/>
-              <a:buAutoNum type="arabicParenR" startAt="7"/>
-            </a:pPr>
-            <a:r>
-              <a:rPr lang="ru-RU" sz="2000" dirty="0">
-                <a:solidFill>
-                  <a:schemeClr val="bg1">
-                    <a:lumMod val="95000"/>
-                  </a:schemeClr>
-                </a:solidFill>
-              </a:rPr>
-              <a:t>Напишете </a:t>
-            </a:r>
-            <a:r>
-              <a:rPr lang="ru-RU" sz="2000" dirty="0" err="1">
-                <a:solidFill>
-                  <a:schemeClr val="bg1">
-                    <a:lumMod val="95000"/>
-                  </a:schemeClr>
-                </a:solidFill>
-              </a:rPr>
-              <a:t>програма</a:t>
-            </a:r>
-            <a:r>
-              <a:rPr lang="ru-RU" sz="2000" dirty="0">
-                <a:solidFill>
-                  <a:schemeClr val="bg1">
-                    <a:lumMod val="95000"/>
-                  </a:schemeClr>
-                </a:solidFill>
-              </a:rPr>
-              <a:t>, </a:t>
-            </a:r>
-            <a:r>
-              <a:rPr lang="ru-RU" sz="2000" dirty="0" err="1">
-                <a:solidFill>
-                  <a:schemeClr val="bg1">
-                    <a:lumMod val="95000"/>
-                  </a:schemeClr>
-                </a:solidFill>
-              </a:rPr>
-              <a:t>която</a:t>
-            </a:r>
-            <a:r>
-              <a:rPr lang="ru-RU" sz="2000" dirty="0">
-                <a:solidFill>
-                  <a:schemeClr val="bg1">
-                    <a:lumMod val="95000"/>
-                  </a:schemeClr>
-                </a:solidFill>
-              </a:rPr>
-              <a:t> </a:t>
-            </a:r>
-            <a:r>
-              <a:rPr lang="ru-RU" sz="2000" dirty="0" err="1">
-                <a:solidFill>
-                  <a:schemeClr val="bg1">
-                    <a:lumMod val="95000"/>
-                  </a:schemeClr>
-                </a:solidFill>
-              </a:rPr>
-              <a:t>намира</a:t>
-            </a:r>
-            <a:r>
-              <a:rPr lang="ru-RU" sz="2000" dirty="0">
-                <a:solidFill>
-                  <a:schemeClr val="bg1">
-                    <a:lumMod val="95000"/>
-                  </a:schemeClr>
-                </a:solidFill>
-              </a:rPr>
-              <a:t> </a:t>
-            </a:r>
-            <a:r>
-              <a:rPr lang="ru-RU" sz="2000" dirty="0" err="1">
-                <a:solidFill>
-                  <a:schemeClr val="bg1">
-                    <a:lumMod val="95000"/>
-                  </a:schemeClr>
-                </a:solidFill>
-              </a:rPr>
-              <a:t>най-голямото</a:t>
-            </a:r>
-            <a:r>
-              <a:rPr lang="ru-RU" sz="2000" dirty="0">
-                <a:solidFill>
-                  <a:schemeClr val="bg1">
-                    <a:lumMod val="95000"/>
-                  </a:schemeClr>
-                </a:solidFill>
-              </a:rPr>
-              <a:t> от пет </a:t>
-            </a:r>
-            <a:r>
-              <a:rPr lang="ru-RU" sz="2000" dirty="0" err="1">
-                <a:solidFill>
-                  <a:schemeClr val="bg1">
-                    <a:lumMod val="95000"/>
-                  </a:schemeClr>
-                </a:solidFill>
-              </a:rPr>
-              <a:t>дадени</a:t>
-            </a:r>
-            <a:r>
-              <a:rPr lang="ru-RU" sz="2000" dirty="0">
-                <a:solidFill>
-                  <a:schemeClr val="bg1">
-                    <a:lumMod val="95000"/>
-                  </a:schemeClr>
-                </a:solidFill>
-              </a:rPr>
-              <a:t> числа.</a:t>
-            </a:r>
-          </a:p>
-          <a:p>
-            <a:pPr marL="457200" indent="-457200">
-              <a:buFont typeface="+mj-lt"/>
-              <a:buAutoNum type="arabicParenR" startAt="7"/>
-            </a:pPr>
-            <a:r>
-              <a:rPr lang="ru-RU" sz="2000" dirty="0">
+              <a:rPr lang="en-US" sz="2000" dirty="0" smtClean="0">
+                <a:solidFill>
+                  <a:schemeClr val="bg1">
+                    <a:lumMod val="95000"/>
+                  </a:schemeClr>
+                </a:solidFill>
+              </a:rPr>
+              <a:t>3.1.10) </a:t>
+            </a:r>
+            <a:r>
+              <a:rPr lang="ru-RU" sz="2000" dirty="0" smtClean="0">
                 <a:solidFill>
                   <a:schemeClr val="bg1">
                     <a:lumMod val="95000"/>
